--- a/Images/Figures_PPT/PieWithRictor.pptx
+++ b/Images/Figures_PPT/PieWithRictor.pptx
@@ -2299,107 +2299,107 @@
           <p:spPr>
             <a:xfrm>
               <a:off x="5486400" y="1749568"/>
-              <a:ext cx="278608" cy="2473613"/>
+              <a:ext cx="267444" cy="2473613"/>
             </a:xfrm>
             <a:custGeom>
               <a:avLst/>
               <a:pathLst>
-                <a:path w="278608" h="2473613">
+                <a:path w="267444" h="2473613">
                   <a:moveTo>
                     <a:pt x="0" y="2473613"/>
                   </a:moveTo>
                   <a:lnTo>
-                    <a:pt x="9607" y="2388859"/>
-                  </a:lnTo>
-                  <a:lnTo>
-                    <a:pt x="19214" y="2304105"/>
-                  </a:lnTo>
-                  <a:lnTo>
-                    <a:pt x="28821" y="2219351"/>
-                  </a:lnTo>
-                  <a:lnTo>
-                    <a:pt x="38428" y="2134596"/>
-                  </a:lnTo>
-                  <a:lnTo>
-                    <a:pt x="48035" y="2049842"/>
-                  </a:lnTo>
-                  <a:lnTo>
-                    <a:pt x="57643" y="1965088"/>
-                  </a:lnTo>
-                  <a:lnTo>
-                    <a:pt x="67250" y="1880334"/>
-                  </a:lnTo>
-                  <a:lnTo>
-                    <a:pt x="76857" y="1795579"/>
-                  </a:lnTo>
-                  <a:lnTo>
-                    <a:pt x="86464" y="1710825"/>
-                  </a:lnTo>
-                  <a:lnTo>
-                    <a:pt x="96071" y="1626071"/>
-                  </a:lnTo>
-                  <a:lnTo>
-                    <a:pt x="105679" y="1541316"/>
-                  </a:lnTo>
-                  <a:lnTo>
-                    <a:pt x="115286" y="1456562"/>
-                  </a:lnTo>
-                  <a:lnTo>
-                    <a:pt x="124893" y="1371808"/>
-                  </a:lnTo>
-                  <a:lnTo>
-                    <a:pt x="134500" y="1287054"/>
-                  </a:lnTo>
-                  <a:lnTo>
-                    <a:pt x="144107" y="1202299"/>
-                  </a:lnTo>
-                  <a:lnTo>
-                    <a:pt x="153714" y="1117545"/>
-                  </a:lnTo>
-                  <a:lnTo>
-                    <a:pt x="163322" y="1032791"/>
-                  </a:lnTo>
-                  <a:lnTo>
-                    <a:pt x="172929" y="948037"/>
-                  </a:lnTo>
-                  <a:lnTo>
-                    <a:pt x="182536" y="863282"/>
-                  </a:lnTo>
-                  <a:lnTo>
-                    <a:pt x="192143" y="778528"/>
-                  </a:lnTo>
-                  <a:lnTo>
-                    <a:pt x="201750" y="693774"/>
-                  </a:lnTo>
-                  <a:lnTo>
-                    <a:pt x="211358" y="609020"/>
-                  </a:lnTo>
-                  <a:lnTo>
-                    <a:pt x="220965" y="524265"/>
-                  </a:lnTo>
-                  <a:lnTo>
-                    <a:pt x="230572" y="439511"/>
-                  </a:lnTo>
-                  <a:lnTo>
-                    <a:pt x="240179" y="354757"/>
-                  </a:lnTo>
-                  <a:lnTo>
-                    <a:pt x="249786" y="270002"/>
-                  </a:lnTo>
-                  <a:lnTo>
-                    <a:pt x="259393" y="185248"/>
-                  </a:lnTo>
-                  <a:lnTo>
-                    <a:pt x="269001" y="100494"/>
-                  </a:lnTo>
-                  <a:lnTo>
-                    <a:pt x="278608" y="15740"/>
-                  </a:lnTo>
-                  <a:lnTo>
-                    <a:pt x="185958" y="6999"/>
-                  </a:lnTo>
-                  <a:lnTo>
-                    <a:pt x="93044" y="1750"/>
+                    <a:pt x="9222" y="2388816"/>
+                  </a:lnTo>
+                  <a:lnTo>
+                    <a:pt x="18444" y="2304019"/>
+                  </a:lnTo>
+                  <a:lnTo>
+                    <a:pt x="27666" y="2219222"/>
+                  </a:lnTo>
+                  <a:lnTo>
+                    <a:pt x="36888" y="2134425"/>
+                  </a:lnTo>
+                  <a:lnTo>
+                    <a:pt x="46111" y="2049628"/>
+                  </a:lnTo>
+                  <a:lnTo>
+                    <a:pt x="55333" y="1964831"/>
+                  </a:lnTo>
+                  <a:lnTo>
+                    <a:pt x="64555" y="1880034"/>
+                  </a:lnTo>
+                  <a:lnTo>
+                    <a:pt x="73777" y="1795237"/>
+                  </a:lnTo>
+                  <a:lnTo>
+                    <a:pt x="83000" y="1710440"/>
+                  </a:lnTo>
+                  <a:lnTo>
+                    <a:pt x="92222" y="1625643"/>
+                  </a:lnTo>
+                  <a:lnTo>
+                    <a:pt x="101444" y="1540846"/>
+                  </a:lnTo>
+                  <a:lnTo>
+                    <a:pt x="110666" y="1456049"/>
+                  </a:lnTo>
+                  <a:lnTo>
+                    <a:pt x="119889" y="1371252"/>
+                  </a:lnTo>
+                  <a:lnTo>
+                    <a:pt x="129111" y="1286455"/>
+                  </a:lnTo>
+                  <a:lnTo>
+                    <a:pt x="138333" y="1201658"/>
+                  </a:lnTo>
+                  <a:lnTo>
+                    <a:pt x="147555" y="1116861"/>
+                  </a:lnTo>
+                  <a:lnTo>
+                    <a:pt x="156777" y="1032064"/>
+                  </a:lnTo>
+                  <a:lnTo>
+                    <a:pt x="166000" y="947267"/>
+                  </a:lnTo>
+                  <a:lnTo>
+                    <a:pt x="175222" y="862470"/>
+                  </a:lnTo>
+                  <a:lnTo>
+                    <a:pt x="184444" y="777673"/>
+                  </a:lnTo>
+                  <a:lnTo>
+                    <a:pt x="193666" y="692876"/>
+                  </a:lnTo>
+                  <a:lnTo>
+                    <a:pt x="202889" y="608079"/>
+                  </a:lnTo>
+                  <a:lnTo>
+                    <a:pt x="212111" y="523282"/>
+                  </a:lnTo>
+                  <a:lnTo>
+                    <a:pt x="221333" y="438485"/>
+                  </a:lnTo>
+                  <a:lnTo>
+                    <a:pt x="230555" y="353688"/>
+                  </a:lnTo>
+                  <a:lnTo>
+                    <a:pt x="239778" y="268891"/>
+                  </a:lnTo>
+                  <a:lnTo>
+                    <a:pt x="249000" y="184094"/>
+                  </a:lnTo>
+                  <a:lnTo>
+                    <a:pt x="258222" y="99297"/>
+                  </a:lnTo>
+                  <a:lnTo>
+                    <a:pt x="267444" y="14500"/>
+                  </a:lnTo>
+                  <a:lnTo>
+                    <a:pt x="178490" y="6448"/>
+                  </a:lnTo>
+                  <a:lnTo>
+                    <a:pt x="89303" y="1612"/>
                   </a:lnTo>
                   <a:lnTo>
                     <a:pt x="0" y="0"/>
@@ -2521,381 +2521,372 @@
           </p:nvSpPr>
           <p:spPr>
             <a:xfrm>
-              <a:off x="5486400" y="1765308"/>
-              <a:ext cx="2473475" cy="4165372"/>
+              <a:off x="5486400" y="1764069"/>
+              <a:ext cx="2473330" cy="3991389"/>
             </a:xfrm>
             <a:custGeom>
               <a:avLst/>
               <a:pathLst>
-                <a:path w="2473475" h="4165372">
+                <a:path w="2473330" h="3991389">
                   <a:moveTo>
-                    <a:pt x="0" y="2457873"/>
+                    <a:pt x="0" y="2459113"/>
                   </a:moveTo>
                   <a:lnTo>
-                    <a:pt x="61715" y="2516753"/>
-                  </a:lnTo>
-                  <a:lnTo>
-                    <a:pt x="123431" y="2575632"/>
-                  </a:lnTo>
-                  <a:lnTo>
-                    <a:pt x="185146" y="2634511"/>
-                  </a:lnTo>
-                  <a:lnTo>
-                    <a:pt x="246862" y="2693390"/>
-                  </a:lnTo>
-                  <a:lnTo>
-                    <a:pt x="308577" y="2752270"/>
-                  </a:lnTo>
-                  <a:lnTo>
-                    <a:pt x="370293" y="2811149"/>
-                  </a:lnTo>
-                  <a:lnTo>
-                    <a:pt x="432009" y="2870028"/>
-                  </a:lnTo>
-                  <a:lnTo>
-                    <a:pt x="493724" y="2928908"/>
-                  </a:lnTo>
-                  <a:lnTo>
-                    <a:pt x="555440" y="2987787"/>
-                  </a:lnTo>
-                  <a:lnTo>
-                    <a:pt x="617155" y="3046666"/>
-                  </a:lnTo>
-                  <a:lnTo>
-                    <a:pt x="678871" y="3105545"/>
-                  </a:lnTo>
-                  <a:lnTo>
-                    <a:pt x="740587" y="3164425"/>
-                  </a:lnTo>
-                  <a:lnTo>
-                    <a:pt x="802302" y="3223304"/>
-                  </a:lnTo>
-                  <a:lnTo>
-                    <a:pt x="864018" y="3282183"/>
-                  </a:lnTo>
-                  <a:lnTo>
-                    <a:pt x="925733" y="3341063"/>
-                  </a:lnTo>
-                  <a:lnTo>
-                    <a:pt x="987449" y="3399942"/>
-                  </a:lnTo>
-                  <a:lnTo>
-                    <a:pt x="1049164" y="3458821"/>
-                  </a:lnTo>
-                  <a:lnTo>
-                    <a:pt x="1110880" y="3517700"/>
-                  </a:lnTo>
-                  <a:lnTo>
-                    <a:pt x="1172596" y="3576580"/>
-                  </a:lnTo>
-                  <a:lnTo>
-                    <a:pt x="1234311" y="3635459"/>
-                  </a:lnTo>
-                  <a:lnTo>
-                    <a:pt x="1296027" y="3694338"/>
-                  </a:lnTo>
-                  <a:lnTo>
-                    <a:pt x="1357742" y="3753217"/>
-                  </a:lnTo>
-                  <a:lnTo>
-                    <a:pt x="1419458" y="3812097"/>
-                  </a:lnTo>
-                  <a:lnTo>
-                    <a:pt x="1481174" y="3870976"/>
-                  </a:lnTo>
-                  <a:lnTo>
-                    <a:pt x="1542889" y="3929855"/>
-                  </a:lnTo>
-                  <a:lnTo>
-                    <a:pt x="1604605" y="3988735"/>
-                  </a:lnTo>
-                  <a:lnTo>
-                    <a:pt x="1666320" y="4047614"/>
-                  </a:lnTo>
-                  <a:lnTo>
-                    <a:pt x="1728036" y="4106493"/>
-                  </a:lnTo>
-                  <a:lnTo>
-                    <a:pt x="1789751" y="4165372"/>
-                  </a:lnTo>
-                  <a:lnTo>
-                    <a:pt x="1847009" y="4103267"/>
-                  </a:lnTo>
-                  <a:lnTo>
-                    <a:pt x="1902113" y="4039243"/>
-                  </a:lnTo>
-                  <a:lnTo>
-                    <a:pt x="1954999" y="3973375"/>
-                  </a:lnTo>
-                  <a:lnTo>
-                    <a:pt x="2005604" y="3905739"/>
-                  </a:lnTo>
-                  <a:lnTo>
-                    <a:pt x="2053871" y="3836415"/>
-                  </a:lnTo>
-                  <a:lnTo>
-                    <a:pt x="2099743" y="3765483"/>
-                  </a:lnTo>
-                  <a:lnTo>
-                    <a:pt x="2143166" y="3693027"/>
-                  </a:lnTo>
-                  <a:lnTo>
-                    <a:pt x="2184090" y="3619130"/>
-                  </a:lnTo>
-                  <a:lnTo>
-                    <a:pt x="2222466" y="3543878"/>
-                  </a:lnTo>
-                  <a:lnTo>
-                    <a:pt x="2258251" y="3467361"/>
-                  </a:lnTo>
-                  <a:lnTo>
-                    <a:pt x="2291403" y="3389666"/>
-                  </a:lnTo>
-                  <a:lnTo>
-                    <a:pt x="2321882" y="3310884"/>
-                  </a:lnTo>
-                  <a:lnTo>
-                    <a:pt x="2349654" y="3231108"/>
-                  </a:lnTo>
-                  <a:lnTo>
-                    <a:pt x="2374685" y="3150430"/>
-                  </a:lnTo>
-                  <a:lnTo>
-                    <a:pt x="2396947" y="3068944"/>
-                  </a:lnTo>
-                  <a:lnTo>
-                    <a:pt x="2416414" y="2986746"/>
-                  </a:lnTo>
-                  <a:lnTo>
-                    <a:pt x="2433063" y="2903931"/>
-                  </a:lnTo>
-                  <a:lnTo>
-                    <a:pt x="2446875" y="2820595"/>
-                  </a:lnTo>
-                  <a:lnTo>
-                    <a:pt x="2457833" y="2736837"/>
-                  </a:lnTo>
-                  <a:lnTo>
-                    <a:pt x="2465925" y="2652754"/>
-                  </a:lnTo>
-                  <a:lnTo>
-                    <a:pt x="2471141" y="2568443"/>
-                  </a:lnTo>
-                  <a:lnTo>
-                    <a:pt x="2473475" y="2484003"/>
-                  </a:lnTo>
-                  <a:lnTo>
-                    <a:pt x="2472925" y="2399533"/>
-                  </a:lnTo>
-                  <a:lnTo>
-                    <a:pt x="2469491" y="2315131"/>
-                  </a:lnTo>
-                  <a:lnTo>
-                    <a:pt x="2463178" y="2230895"/>
-                  </a:lnTo>
-                  <a:lnTo>
-                    <a:pt x="2453991" y="2146924"/>
-                  </a:lnTo>
-                  <a:lnTo>
-                    <a:pt x="2441943" y="2063315"/>
-                  </a:lnTo>
-                  <a:lnTo>
-                    <a:pt x="2427048" y="1980167"/>
-                  </a:lnTo>
-                  <a:lnTo>
-                    <a:pt x="2409322" y="1897576"/>
-                  </a:lnTo>
-                  <a:lnTo>
-                    <a:pt x="2388786" y="1815638"/>
-                  </a:lnTo>
-                  <a:lnTo>
-                    <a:pt x="2365464" y="1734449"/>
-                  </a:lnTo>
-                  <a:lnTo>
-                    <a:pt x="2339384" y="1654104"/>
-                  </a:lnTo>
-                  <a:lnTo>
-                    <a:pt x="2310576" y="1574696"/>
-                  </a:lnTo>
-                  <a:lnTo>
-                    <a:pt x="2279073" y="1496318"/>
-                  </a:lnTo>
-                  <a:lnTo>
-                    <a:pt x="2244913" y="1419062"/>
-                  </a:lnTo>
-                  <a:lnTo>
-                    <a:pt x="2208135" y="1343016"/>
-                  </a:lnTo>
-                  <a:lnTo>
-                    <a:pt x="2168781" y="1268271"/>
-                  </a:lnTo>
-                  <a:lnTo>
-                    <a:pt x="2126898" y="1194914"/>
-                  </a:lnTo>
-                  <a:lnTo>
-                    <a:pt x="2082535" y="1123029"/>
-                  </a:lnTo>
-                  <a:lnTo>
-                    <a:pt x="2035744" y="1052700"/>
-                  </a:lnTo>
-                  <a:lnTo>
-                    <a:pt x="1986578" y="984011"/>
-                  </a:lnTo>
-                  <a:lnTo>
-                    <a:pt x="1935096" y="917040"/>
-                  </a:lnTo>
-                  <a:lnTo>
-                    <a:pt x="1881357" y="851866"/>
-                  </a:lnTo>
-                  <a:lnTo>
-                    <a:pt x="1825424" y="788565"/>
-                  </a:lnTo>
-                  <a:lnTo>
-                    <a:pt x="1767362" y="727210"/>
-                  </a:lnTo>
-                  <a:lnTo>
-                    <a:pt x="1707240" y="667874"/>
-                  </a:lnTo>
-                  <a:lnTo>
-                    <a:pt x="1645126" y="610625"/>
-                  </a:lnTo>
-                  <a:lnTo>
-                    <a:pt x="1581094" y="555531"/>
-                  </a:lnTo>
-                  <a:lnTo>
-                    <a:pt x="1515218" y="502655"/>
-                  </a:lnTo>
-                  <a:lnTo>
-                    <a:pt x="1447575" y="452059"/>
-                  </a:lnTo>
-                  <a:lnTo>
-                    <a:pt x="1378244" y="403802"/>
-                  </a:lnTo>
-                  <a:lnTo>
-                    <a:pt x="1307306" y="357941"/>
-                  </a:lnTo>
-                  <a:lnTo>
-                    <a:pt x="1234843" y="314528"/>
-                  </a:lnTo>
-                  <a:lnTo>
-                    <a:pt x="1160940" y="273615"/>
-                  </a:lnTo>
-                  <a:lnTo>
-                    <a:pt x="1085683" y="235249"/>
-                  </a:lnTo>
-                  <a:lnTo>
-                    <a:pt x="1009160" y="199475"/>
-                  </a:lnTo>
-                  <a:lnTo>
-                    <a:pt x="931460" y="166335"/>
-                  </a:lnTo>
-                  <a:lnTo>
-                    <a:pt x="852674" y="135867"/>
-                  </a:lnTo>
-                  <a:lnTo>
-                    <a:pt x="772894" y="108107"/>
-                  </a:lnTo>
-                  <a:lnTo>
-                    <a:pt x="692212" y="83087"/>
-                  </a:lnTo>
-                  <a:lnTo>
-                    <a:pt x="610723" y="60837"/>
-                  </a:lnTo>
-                  <a:lnTo>
-                    <a:pt x="528522" y="41382"/>
-                  </a:lnTo>
-                  <a:lnTo>
-                    <a:pt x="445705" y="24745"/>
-                  </a:lnTo>
-                  <a:lnTo>
-                    <a:pt x="362368" y="10946"/>
-                  </a:lnTo>
-                  <a:lnTo>
-                    <a:pt x="278608" y="0"/>
-                  </a:lnTo>
-                  <a:lnTo>
-                    <a:pt x="269001" y="84754"/>
-                  </a:lnTo>
-                  <a:lnTo>
-                    <a:pt x="259393" y="169508"/>
-                  </a:lnTo>
-                  <a:lnTo>
-                    <a:pt x="249786" y="254262"/>
-                  </a:lnTo>
-                  <a:lnTo>
-                    <a:pt x="240179" y="339017"/>
-                  </a:lnTo>
-                  <a:lnTo>
-                    <a:pt x="230572" y="423771"/>
-                  </a:lnTo>
-                  <a:lnTo>
-                    <a:pt x="220965" y="508525"/>
-                  </a:lnTo>
-                  <a:lnTo>
-                    <a:pt x="211358" y="593279"/>
-                  </a:lnTo>
-                  <a:lnTo>
-                    <a:pt x="201750" y="678034"/>
-                  </a:lnTo>
-                  <a:lnTo>
-                    <a:pt x="192143" y="762788"/>
-                  </a:lnTo>
-                  <a:lnTo>
-                    <a:pt x="182536" y="847542"/>
-                  </a:lnTo>
-                  <a:lnTo>
-                    <a:pt x="172929" y="932296"/>
-                  </a:lnTo>
-                  <a:lnTo>
-                    <a:pt x="163322" y="1017051"/>
-                  </a:lnTo>
-                  <a:lnTo>
-                    <a:pt x="153714" y="1101805"/>
-                  </a:lnTo>
-                  <a:lnTo>
-                    <a:pt x="144107" y="1186559"/>
-                  </a:lnTo>
-                  <a:lnTo>
-                    <a:pt x="134500" y="1271314"/>
-                  </a:lnTo>
-                  <a:lnTo>
-                    <a:pt x="124893" y="1356068"/>
-                  </a:lnTo>
-                  <a:lnTo>
-                    <a:pt x="115286" y="1440822"/>
-                  </a:lnTo>
-                  <a:lnTo>
-                    <a:pt x="105679" y="1525576"/>
-                  </a:lnTo>
-                  <a:lnTo>
-                    <a:pt x="96071" y="1610331"/>
-                  </a:lnTo>
-                  <a:lnTo>
-                    <a:pt x="86464" y="1695085"/>
-                  </a:lnTo>
-                  <a:lnTo>
-                    <a:pt x="76857" y="1779839"/>
-                  </a:lnTo>
-                  <a:lnTo>
-                    <a:pt x="67250" y="1864593"/>
-                  </a:lnTo>
-                  <a:lnTo>
-                    <a:pt x="57643" y="1949348"/>
-                  </a:lnTo>
-                  <a:lnTo>
-                    <a:pt x="48035" y="2034102"/>
-                  </a:lnTo>
-                  <a:lnTo>
-                    <a:pt x="38428" y="2118856"/>
-                  </a:lnTo>
-                  <a:lnTo>
-                    <a:pt x="28821" y="2203610"/>
-                  </a:lnTo>
-                  <a:lnTo>
-                    <a:pt x="19214" y="2288365"/>
-                  </a:lnTo>
-                  <a:lnTo>
-                    <a:pt x="9607" y="2373119"/>
+                    <a:pt x="66961" y="2511950"/>
+                  </a:lnTo>
+                  <a:lnTo>
+                    <a:pt x="133922" y="2564787"/>
+                  </a:lnTo>
+                  <a:lnTo>
+                    <a:pt x="200884" y="2617624"/>
+                  </a:lnTo>
+                  <a:lnTo>
+                    <a:pt x="267845" y="2670461"/>
+                  </a:lnTo>
+                  <a:lnTo>
+                    <a:pt x="334806" y="2723299"/>
+                  </a:lnTo>
+                  <a:lnTo>
+                    <a:pt x="401768" y="2776136"/>
+                  </a:lnTo>
+                  <a:lnTo>
+                    <a:pt x="468729" y="2828973"/>
+                  </a:lnTo>
+                  <a:lnTo>
+                    <a:pt x="535690" y="2881810"/>
+                  </a:lnTo>
+                  <a:lnTo>
+                    <a:pt x="602652" y="2934647"/>
+                  </a:lnTo>
+                  <a:lnTo>
+                    <a:pt x="669613" y="2987484"/>
+                  </a:lnTo>
+                  <a:lnTo>
+                    <a:pt x="736574" y="3040321"/>
+                  </a:lnTo>
+                  <a:lnTo>
+                    <a:pt x="803536" y="3093158"/>
+                  </a:lnTo>
+                  <a:lnTo>
+                    <a:pt x="870497" y="3145995"/>
+                  </a:lnTo>
+                  <a:lnTo>
+                    <a:pt x="937459" y="3198832"/>
+                  </a:lnTo>
+                  <a:lnTo>
+                    <a:pt x="1004420" y="3251670"/>
+                  </a:lnTo>
+                  <a:lnTo>
+                    <a:pt x="1071381" y="3304507"/>
+                  </a:lnTo>
+                  <a:lnTo>
+                    <a:pt x="1138343" y="3357344"/>
+                  </a:lnTo>
+                  <a:lnTo>
+                    <a:pt x="1205304" y="3410181"/>
+                  </a:lnTo>
+                  <a:lnTo>
+                    <a:pt x="1272265" y="3463018"/>
+                  </a:lnTo>
+                  <a:lnTo>
+                    <a:pt x="1339227" y="3515855"/>
+                  </a:lnTo>
+                  <a:lnTo>
+                    <a:pt x="1406188" y="3568692"/>
+                  </a:lnTo>
+                  <a:lnTo>
+                    <a:pt x="1473149" y="3621529"/>
+                  </a:lnTo>
+                  <a:lnTo>
+                    <a:pt x="1540111" y="3674366"/>
+                  </a:lnTo>
+                  <a:lnTo>
+                    <a:pt x="1607072" y="3727204"/>
+                  </a:lnTo>
+                  <a:lnTo>
+                    <a:pt x="1674034" y="3780041"/>
+                  </a:lnTo>
+                  <a:lnTo>
+                    <a:pt x="1740995" y="3832878"/>
+                  </a:lnTo>
+                  <a:lnTo>
+                    <a:pt x="1807956" y="3885715"/>
+                  </a:lnTo>
+                  <a:lnTo>
+                    <a:pt x="1874918" y="3938552"/>
+                  </a:lnTo>
+                  <a:lnTo>
+                    <a:pt x="1941879" y="3991389"/>
+                  </a:lnTo>
+                  <a:lnTo>
+                    <a:pt x="1993376" y="3923769"/>
+                  </a:lnTo>
+                  <a:lnTo>
+                    <a:pt x="2042519" y="3854419"/>
+                  </a:lnTo>
+                  <a:lnTo>
+                    <a:pt x="2089251" y="3783422"/>
+                  </a:lnTo>
+                  <a:lnTo>
+                    <a:pt x="2133516" y="3710862"/>
+                  </a:lnTo>
+                  <a:lnTo>
+                    <a:pt x="2175261" y="3636823"/>
+                  </a:lnTo>
+                  <a:lnTo>
+                    <a:pt x="2214439" y="3561394"/>
+                  </a:lnTo>
+                  <a:lnTo>
+                    <a:pt x="2251002" y="3484664"/>
+                  </a:lnTo>
+                  <a:lnTo>
+                    <a:pt x="2284907" y="3406722"/>
+                  </a:lnTo>
+                  <a:lnTo>
+                    <a:pt x="2316114" y="3327662"/>
+                  </a:lnTo>
+                  <a:lnTo>
+                    <a:pt x="2344587" y="3247576"/>
+                  </a:lnTo>
+                  <a:lnTo>
+                    <a:pt x="2370292" y="3166560"/>
+                  </a:lnTo>
+                  <a:lnTo>
+                    <a:pt x="2393198" y="3084708"/>
+                  </a:lnTo>
+                  <a:lnTo>
+                    <a:pt x="2413278" y="3002117"/>
+                  </a:lnTo>
+                  <a:lnTo>
+                    <a:pt x="2430509" y="2918885"/>
+                  </a:lnTo>
+                  <a:lnTo>
+                    <a:pt x="2444870" y="2835111"/>
+                  </a:lnTo>
+                  <a:lnTo>
+                    <a:pt x="2456344" y="2750892"/>
+                  </a:lnTo>
+                  <a:lnTo>
+                    <a:pt x="2464919" y="2666329"/>
+                  </a:lnTo>
+                  <a:lnTo>
+                    <a:pt x="2470583" y="2581522"/>
+                  </a:lnTo>
+                  <a:lnTo>
+                    <a:pt x="2473330" y="2496570"/>
+                  </a:lnTo>
+                  <a:lnTo>
+                    <a:pt x="2473157" y="2411573"/>
+                  </a:lnTo>
+                  <a:lnTo>
+                    <a:pt x="2470063" y="2326633"/>
+                  </a:lnTo>
+                  <a:lnTo>
+                    <a:pt x="2464054" y="2241849"/>
+                  </a:lnTo>
+                  <a:lnTo>
+                    <a:pt x="2455134" y="2157322"/>
+                  </a:lnTo>
+                  <a:lnTo>
+                    <a:pt x="2443317" y="2073151"/>
+                  </a:lnTo>
+                  <a:lnTo>
+                    <a:pt x="2428614" y="1989435"/>
+                  </a:lnTo>
+                  <a:lnTo>
+                    <a:pt x="2411044" y="1906275"/>
+                  </a:lnTo>
+                  <a:lnTo>
+                    <a:pt x="2390627" y="1823767"/>
+                  </a:lnTo>
+                  <a:lnTo>
+                    <a:pt x="2367388" y="1742009"/>
+                  </a:lnTo>
+                  <a:lnTo>
+                    <a:pt x="2341353" y="1661097"/>
+                  </a:lnTo>
+                  <a:lnTo>
+                    <a:pt x="2312554" y="1581129"/>
+                  </a:lnTo>
+                  <a:lnTo>
+                    <a:pt x="2281025" y="1502196"/>
+                  </a:lnTo>
+                  <a:lnTo>
+                    <a:pt x="2246802" y="1424394"/>
+                  </a:lnTo>
+                  <a:lnTo>
+                    <a:pt x="2209927" y="1347813"/>
+                  </a:lnTo>
+                  <a:lnTo>
+                    <a:pt x="2170442" y="1272544"/>
+                  </a:lnTo>
+                  <a:lnTo>
+                    <a:pt x="2128395" y="1198676"/>
+                  </a:lnTo>
+                  <a:lnTo>
+                    <a:pt x="2083834" y="1126297"/>
+                  </a:lnTo>
+                  <a:lnTo>
+                    <a:pt x="2036813" y="1055491"/>
+                  </a:lnTo>
+                  <a:lnTo>
+                    <a:pt x="1987388" y="986342"/>
+                  </a:lnTo>
+                  <a:lnTo>
+                    <a:pt x="1935616" y="918933"/>
+                  </a:lnTo>
+                  <a:lnTo>
+                    <a:pt x="1881558" y="853341"/>
+                  </a:lnTo>
+                  <a:lnTo>
+                    <a:pt x="1825279" y="789646"/>
+                  </a:lnTo>
+                  <a:lnTo>
+                    <a:pt x="1766845" y="727922"/>
+                  </a:lnTo>
+                  <a:lnTo>
+                    <a:pt x="1706325" y="668242"/>
+                  </a:lnTo>
+                  <a:lnTo>
+                    <a:pt x="1643790" y="610676"/>
+                  </a:lnTo>
+                  <a:lnTo>
+                    <a:pt x="1579314" y="555293"/>
+                  </a:lnTo>
+                  <a:lnTo>
+                    <a:pt x="1512974" y="502158"/>
+                  </a:lnTo>
+                  <a:lnTo>
+                    <a:pt x="1444847" y="451333"/>
+                  </a:lnTo>
+                  <a:lnTo>
+                    <a:pt x="1375014" y="402879"/>
+                  </a:lnTo>
+                  <a:lnTo>
+                    <a:pt x="1303558" y="356852"/>
+                  </a:lnTo>
+                  <a:lnTo>
+                    <a:pt x="1230563" y="313308"/>
+                  </a:lnTo>
+                  <a:lnTo>
+                    <a:pt x="1156115" y="272297"/>
+                  </a:lnTo>
+                  <a:lnTo>
+                    <a:pt x="1080301" y="233868"/>
+                  </a:lnTo>
+                  <a:lnTo>
+                    <a:pt x="1003213" y="198067"/>
+                  </a:lnTo>
+                  <a:lnTo>
+                    <a:pt x="924939" y="164935"/>
+                  </a:lnTo>
+                  <a:lnTo>
+                    <a:pt x="845574" y="134512"/>
+                  </a:lnTo>
+                  <a:lnTo>
+                    <a:pt x="765210" y="106834"/>
+                  </a:lnTo>
+                  <a:lnTo>
+                    <a:pt x="683943" y="81933"/>
+                  </a:lnTo>
+                  <a:lnTo>
+                    <a:pt x="601868" y="59838"/>
+                  </a:lnTo>
+                  <a:lnTo>
+                    <a:pt x="519083" y="40577"/>
+                  </a:lnTo>
+                  <a:lnTo>
+                    <a:pt x="435685" y="24171"/>
+                  </a:lnTo>
+                  <a:lnTo>
+                    <a:pt x="351772" y="10640"/>
+                  </a:lnTo>
+                  <a:lnTo>
+                    <a:pt x="267444" y="0"/>
+                  </a:lnTo>
+                  <a:lnTo>
+                    <a:pt x="258222" y="84797"/>
+                  </a:lnTo>
+                  <a:lnTo>
+                    <a:pt x="249000" y="169594"/>
+                  </a:lnTo>
+                  <a:lnTo>
+                    <a:pt x="239778" y="254391"/>
+                  </a:lnTo>
+                  <a:lnTo>
+                    <a:pt x="230555" y="339188"/>
+                  </a:lnTo>
+                  <a:lnTo>
+                    <a:pt x="221333" y="423985"/>
+                  </a:lnTo>
+                  <a:lnTo>
+                    <a:pt x="212111" y="508782"/>
+                  </a:lnTo>
+                  <a:lnTo>
+                    <a:pt x="202889" y="593579"/>
+                  </a:lnTo>
+                  <a:lnTo>
+                    <a:pt x="193666" y="678376"/>
+                  </a:lnTo>
+                  <a:lnTo>
+                    <a:pt x="184444" y="763173"/>
+                  </a:lnTo>
+                  <a:lnTo>
+                    <a:pt x="175222" y="847970"/>
+                  </a:lnTo>
+                  <a:lnTo>
+                    <a:pt x="166000" y="932767"/>
+                  </a:lnTo>
+                  <a:lnTo>
+                    <a:pt x="156777" y="1017564"/>
+                  </a:lnTo>
+                  <a:lnTo>
+                    <a:pt x="147555" y="1102361"/>
+                  </a:lnTo>
+                  <a:lnTo>
+                    <a:pt x="138333" y="1187158"/>
+                  </a:lnTo>
+                  <a:lnTo>
+                    <a:pt x="129111" y="1271955"/>
+                  </a:lnTo>
+                  <a:lnTo>
+                    <a:pt x="119889" y="1356752"/>
+                  </a:lnTo>
+                  <a:lnTo>
+                    <a:pt x="110666" y="1441549"/>
+                  </a:lnTo>
+                  <a:lnTo>
+                    <a:pt x="101444" y="1526346"/>
+                  </a:lnTo>
+                  <a:lnTo>
+                    <a:pt x="92222" y="1611143"/>
+                  </a:lnTo>
+                  <a:lnTo>
+                    <a:pt x="83000" y="1695940"/>
+                  </a:lnTo>
+                  <a:lnTo>
+                    <a:pt x="73777" y="1780737"/>
+                  </a:lnTo>
+                  <a:lnTo>
+                    <a:pt x="64555" y="1865534"/>
+                  </a:lnTo>
+                  <a:lnTo>
+                    <a:pt x="55333" y="1950331"/>
+                  </a:lnTo>
+                  <a:lnTo>
+                    <a:pt x="46111" y="2035128"/>
+                  </a:lnTo>
+                  <a:lnTo>
+                    <a:pt x="36888" y="2119925"/>
+                  </a:lnTo>
+                  <a:lnTo>
+                    <a:pt x="27666" y="2204722"/>
+                  </a:lnTo>
+                  <a:lnTo>
+                    <a:pt x="18444" y="2289519"/>
+                  </a:lnTo>
+                  <a:lnTo>
+                    <a:pt x="9222" y="2374316"/>
                   </a:lnTo>
                   <a:close/>
                 </a:path>
@@ -2931,233 +2922,236 @@
           <p:spPr>
             <a:xfrm>
               <a:off x="5486400" y="4223182"/>
-              <a:ext cx="1789751" cy="2400011"/>
+              <a:ext cx="1941879" cy="2344128"/>
             </a:xfrm>
             <a:custGeom>
               <a:avLst/>
               <a:pathLst>
-                <a:path w="1789751" h="2400011">
+                <a:path w="1941879" h="2344128">
                   <a:moveTo>
                     <a:pt x="0" y="0"/>
                   </a:moveTo>
                   <a:lnTo>
-                    <a:pt x="20652" y="82759"/>
-                  </a:lnTo>
-                  <a:lnTo>
-                    <a:pt x="41305" y="165518"/>
-                  </a:lnTo>
-                  <a:lnTo>
-                    <a:pt x="61957" y="248277"/>
-                  </a:lnTo>
-                  <a:lnTo>
-                    <a:pt x="82610" y="331036"/>
-                  </a:lnTo>
-                  <a:lnTo>
-                    <a:pt x="103262" y="413795"/>
-                  </a:lnTo>
-                  <a:lnTo>
-                    <a:pt x="123915" y="496554"/>
-                  </a:lnTo>
-                  <a:lnTo>
-                    <a:pt x="144567" y="579313"/>
-                  </a:lnTo>
-                  <a:lnTo>
-                    <a:pt x="165220" y="662072"/>
-                  </a:lnTo>
-                  <a:lnTo>
-                    <a:pt x="185872" y="744831"/>
-                  </a:lnTo>
-                  <a:lnTo>
-                    <a:pt x="206525" y="827590"/>
-                  </a:lnTo>
-                  <a:lnTo>
-                    <a:pt x="227177" y="910349"/>
-                  </a:lnTo>
-                  <a:lnTo>
-                    <a:pt x="247830" y="993108"/>
-                  </a:lnTo>
-                  <a:lnTo>
-                    <a:pt x="268482" y="1075867"/>
-                  </a:lnTo>
-                  <a:lnTo>
-                    <a:pt x="289135" y="1158626"/>
-                  </a:lnTo>
-                  <a:lnTo>
-                    <a:pt x="309787" y="1241385"/>
-                  </a:lnTo>
-                  <a:lnTo>
-                    <a:pt x="330440" y="1324144"/>
-                  </a:lnTo>
-                  <a:lnTo>
-                    <a:pt x="351092" y="1406903"/>
-                  </a:lnTo>
-                  <a:lnTo>
-                    <a:pt x="371745" y="1489662"/>
-                  </a:lnTo>
-                  <a:lnTo>
-                    <a:pt x="392397" y="1572421"/>
-                  </a:lnTo>
-                  <a:lnTo>
-                    <a:pt x="413050" y="1655180"/>
-                  </a:lnTo>
-                  <a:lnTo>
-                    <a:pt x="433702" y="1737939"/>
-                  </a:lnTo>
-                  <a:lnTo>
-                    <a:pt x="454355" y="1820698"/>
-                  </a:lnTo>
-                  <a:lnTo>
-                    <a:pt x="475007" y="1903457"/>
-                  </a:lnTo>
-                  <a:lnTo>
-                    <a:pt x="495660" y="1986216"/>
-                  </a:lnTo>
-                  <a:lnTo>
-                    <a:pt x="516312" y="2068975"/>
-                  </a:lnTo>
-                  <a:lnTo>
-                    <a:pt x="536965" y="2151734"/>
-                  </a:lnTo>
-                  <a:lnTo>
-                    <a:pt x="557618" y="2234493"/>
-                  </a:lnTo>
-                  <a:lnTo>
-                    <a:pt x="578270" y="2317252"/>
-                  </a:lnTo>
-                  <a:lnTo>
-                    <a:pt x="598923" y="2400011"/>
-                  </a:lnTo>
-                  <a:lnTo>
-                    <a:pt x="683187" y="2377398"/>
-                  </a:lnTo>
-                  <a:lnTo>
-                    <a:pt x="766601" y="2351826"/>
-                  </a:lnTo>
-                  <a:lnTo>
-                    <a:pt x="849061" y="2323329"/>
-                  </a:lnTo>
-                  <a:lnTo>
-                    <a:pt x="930465" y="2291942"/>
-                  </a:lnTo>
-                  <a:lnTo>
-                    <a:pt x="1010712" y="2257703"/>
-                  </a:lnTo>
-                  <a:lnTo>
-                    <a:pt x="1089702" y="2220656"/>
-                  </a:lnTo>
-                  <a:lnTo>
-                    <a:pt x="1167335" y="2180846"/>
-                  </a:lnTo>
-                  <a:lnTo>
-                    <a:pt x="1243517" y="2138324"/>
-                  </a:lnTo>
-                  <a:lnTo>
-                    <a:pt x="1318152" y="2093141"/>
-                  </a:lnTo>
-                  <a:lnTo>
-                    <a:pt x="1391146" y="2045354"/>
-                  </a:lnTo>
-                  <a:lnTo>
-                    <a:pt x="1462411" y="1995023"/>
-                  </a:lnTo>
-                  <a:lnTo>
-                    <a:pt x="1531856" y="1942210"/>
-                  </a:lnTo>
-                  <a:lnTo>
-                    <a:pt x="1599395" y="1886981"/>
-                  </a:lnTo>
-                  <a:lnTo>
-                    <a:pt x="1664945" y="1829405"/>
-                  </a:lnTo>
-                  <a:lnTo>
-                    <a:pt x="1728423" y="1769552"/>
-                  </a:lnTo>
-                  <a:lnTo>
-                    <a:pt x="1789751" y="1707499"/>
-                  </a:lnTo>
-                  <a:lnTo>
-                    <a:pt x="1728036" y="1648619"/>
-                  </a:lnTo>
-                  <a:lnTo>
-                    <a:pt x="1666320" y="1589740"/>
-                  </a:lnTo>
-                  <a:lnTo>
-                    <a:pt x="1604605" y="1530861"/>
-                  </a:lnTo>
-                  <a:lnTo>
-                    <a:pt x="1542889" y="1471982"/>
-                  </a:lnTo>
-                  <a:lnTo>
-                    <a:pt x="1481174" y="1413102"/>
-                  </a:lnTo>
-                  <a:lnTo>
-                    <a:pt x="1419458" y="1354223"/>
-                  </a:lnTo>
-                  <a:lnTo>
-                    <a:pt x="1357742" y="1295344"/>
-                  </a:lnTo>
-                  <a:lnTo>
-                    <a:pt x="1296027" y="1236464"/>
-                  </a:lnTo>
-                  <a:lnTo>
-                    <a:pt x="1234311" y="1177585"/>
-                  </a:lnTo>
-                  <a:lnTo>
-                    <a:pt x="1172596" y="1118706"/>
-                  </a:lnTo>
-                  <a:lnTo>
-                    <a:pt x="1110880" y="1059827"/>
-                  </a:lnTo>
-                  <a:lnTo>
-                    <a:pt x="1049164" y="1000947"/>
-                  </a:lnTo>
-                  <a:lnTo>
-                    <a:pt x="987449" y="942068"/>
-                  </a:lnTo>
-                  <a:lnTo>
-                    <a:pt x="925733" y="883189"/>
-                  </a:lnTo>
-                  <a:lnTo>
-                    <a:pt x="864018" y="824309"/>
-                  </a:lnTo>
-                  <a:lnTo>
-                    <a:pt x="802302" y="765430"/>
-                  </a:lnTo>
-                  <a:lnTo>
-                    <a:pt x="740587" y="706551"/>
-                  </a:lnTo>
-                  <a:lnTo>
-                    <a:pt x="678871" y="647672"/>
-                  </a:lnTo>
-                  <a:lnTo>
-                    <a:pt x="617155" y="588792"/>
-                  </a:lnTo>
-                  <a:lnTo>
-                    <a:pt x="555440" y="529913"/>
-                  </a:lnTo>
-                  <a:lnTo>
-                    <a:pt x="493724" y="471034"/>
-                  </a:lnTo>
-                  <a:lnTo>
-                    <a:pt x="432009" y="412154"/>
-                  </a:lnTo>
-                  <a:lnTo>
-                    <a:pt x="370293" y="353275"/>
-                  </a:lnTo>
-                  <a:lnTo>
-                    <a:pt x="308577" y="294396"/>
-                  </a:lnTo>
-                  <a:lnTo>
-                    <a:pt x="246862" y="235517"/>
-                  </a:lnTo>
-                  <a:lnTo>
-                    <a:pt x="185146" y="176637"/>
-                  </a:lnTo>
-                  <a:lnTo>
-                    <a:pt x="123431" y="117758"/>
-                  </a:lnTo>
-                  <a:lnTo>
-                    <a:pt x="61715" y="58879"/>
+                    <a:pt x="27235" y="80832"/>
+                  </a:lnTo>
+                  <a:lnTo>
+                    <a:pt x="54470" y="161664"/>
+                  </a:lnTo>
+                  <a:lnTo>
+                    <a:pt x="81706" y="242496"/>
+                  </a:lnTo>
+                  <a:lnTo>
+                    <a:pt x="108941" y="323328"/>
+                  </a:lnTo>
+                  <a:lnTo>
+                    <a:pt x="136177" y="404160"/>
+                  </a:lnTo>
+                  <a:lnTo>
+                    <a:pt x="163412" y="484992"/>
+                  </a:lnTo>
+                  <a:lnTo>
+                    <a:pt x="190648" y="565824"/>
+                  </a:lnTo>
+                  <a:lnTo>
+                    <a:pt x="217883" y="646656"/>
+                  </a:lnTo>
+                  <a:lnTo>
+                    <a:pt x="245119" y="727488"/>
+                  </a:lnTo>
+                  <a:lnTo>
+                    <a:pt x="272354" y="808320"/>
+                  </a:lnTo>
+                  <a:lnTo>
+                    <a:pt x="299590" y="889152"/>
+                  </a:lnTo>
+                  <a:lnTo>
+                    <a:pt x="326825" y="969984"/>
+                  </a:lnTo>
+                  <a:lnTo>
+                    <a:pt x="354061" y="1050816"/>
+                  </a:lnTo>
+                  <a:lnTo>
+                    <a:pt x="381296" y="1131648"/>
+                  </a:lnTo>
+                  <a:lnTo>
+                    <a:pt x="408532" y="1212480"/>
+                  </a:lnTo>
+                  <a:lnTo>
+                    <a:pt x="435767" y="1293312"/>
+                  </a:lnTo>
+                  <a:lnTo>
+                    <a:pt x="463003" y="1374144"/>
+                  </a:lnTo>
+                  <a:lnTo>
+                    <a:pt x="490238" y="1454976"/>
+                  </a:lnTo>
+                  <a:lnTo>
+                    <a:pt x="517473" y="1535808"/>
+                  </a:lnTo>
+                  <a:lnTo>
+                    <a:pt x="544709" y="1616640"/>
+                  </a:lnTo>
+                  <a:lnTo>
+                    <a:pt x="571944" y="1697472"/>
+                  </a:lnTo>
+                  <a:lnTo>
+                    <a:pt x="599180" y="1778304"/>
+                  </a:lnTo>
+                  <a:lnTo>
+                    <a:pt x="626415" y="1859136"/>
+                  </a:lnTo>
+                  <a:lnTo>
+                    <a:pt x="653651" y="1939968"/>
+                  </a:lnTo>
+                  <a:lnTo>
+                    <a:pt x="680886" y="2020800"/>
+                  </a:lnTo>
+                  <a:lnTo>
+                    <a:pt x="708122" y="2101632"/>
+                  </a:lnTo>
+                  <a:lnTo>
+                    <a:pt x="735357" y="2182464"/>
+                  </a:lnTo>
+                  <a:lnTo>
+                    <a:pt x="762593" y="2263296"/>
+                  </a:lnTo>
+                  <a:lnTo>
+                    <a:pt x="789828" y="2344128"/>
+                  </a:lnTo>
+                  <a:lnTo>
+                    <a:pt x="869025" y="2315936"/>
+                  </a:lnTo>
+                  <a:lnTo>
+                    <a:pt x="947217" y="2285069"/>
+                  </a:lnTo>
+                  <a:lnTo>
+                    <a:pt x="1024316" y="2251564"/>
+                  </a:lnTo>
+                  <a:lnTo>
+                    <a:pt x="1100232" y="2215458"/>
+                  </a:lnTo>
+                  <a:lnTo>
+                    <a:pt x="1174877" y="2176793"/>
+                  </a:lnTo>
+                  <a:lnTo>
+                    <a:pt x="1248165" y="2135614"/>
+                  </a:lnTo>
+                  <a:lnTo>
+                    <a:pt x="1320011" y="2091969"/>
+                  </a:lnTo>
+                  <a:lnTo>
+                    <a:pt x="1390333" y="2045907"/>
+                  </a:lnTo>
+                  <a:lnTo>
+                    <a:pt x="1459050" y="1997483"/>
+                  </a:lnTo>
+                  <a:lnTo>
+                    <a:pt x="1526081" y="1946751"/>
+                  </a:lnTo>
+                  <a:lnTo>
+                    <a:pt x="1591349" y="1893771"/>
+                  </a:lnTo>
+                  <a:lnTo>
+                    <a:pt x="1654780" y="1838604"/>
+                  </a:lnTo>
+                  <a:lnTo>
+                    <a:pt x="1716299" y="1781314"/>
+                  </a:lnTo>
+                  <a:lnTo>
+                    <a:pt x="1775836" y="1721966"/>
+                  </a:lnTo>
+                  <a:lnTo>
+                    <a:pt x="1833323" y="1660630"/>
+                  </a:lnTo>
+                  <a:lnTo>
+                    <a:pt x="1888691" y="1597375"/>
+                  </a:lnTo>
+                  <a:lnTo>
+                    <a:pt x="1941879" y="1532276"/>
+                  </a:lnTo>
+                  <a:lnTo>
+                    <a:pt x="1874918" y="1479438"/>
+                  </a:lnTo>
+                  <a:lnTo>
+                    <a:pt x="1807956" y="1426601"/>
+                  </a:lnTo>
+                  <a:lnTo>
+                    <a:pt x="1740995" y="1373764"/>
+                  </a:lnTo>
+                  <a:lnTo>
+                    <a:pt x="1674034" y="1320927"/>
+                  </a:lnTo>
+                  <a:lnTo>
+                    <a:pt x="1607072" y="1268090"/>
+                  </a:lnTo>
+                  <a:lnTo>
+                    <a:pt x="1540111" y="1215253"/>
+                  </a:lnTo>
+                  <a:lnTo>
+                    <a:pt x="1473149" y="1162416"/>
+                  </a:lnTo>
+                  <a:lnTo>
+                    <a:pt x="1406188" y="1109579"/>
+                  </a:lnTo>
+                  <a:lnTo>
+                    <a:pt x="1339227" y="1056742"/>
+                  </a:lnTo>
+                  <a:lnTo>
+                    <a:pt x="1272265" y="1003905"/>
+                  </a:lnTo>
+                  <a:lnTo>
+                    <a:pt x="1205304" y="951067"/>
+                  </a:lnTo>
+                  <a:lnTo>
+                    <a:pt x="1138343" y="898230"/>
+                  </a:lnTo>
+                  <a:lnTo>
+                    <a:pt x="1071381" y="845393"/>
+                  </a:lnTo>
+                  <a:lnTo>
+                    <a:pt x="1004420" y="792556"/>
+                  </a:lnTo>
+                  <a:lnTo>
+                    <a:pt x="937459" y="739719"/>
+                  </a:lnTo>
+                  <a:lnTo>
+                    <a:pt x="870497" y="686882"/>
+                  </a:lnTo>
+                  <a:lnTo>
+                    <a:pt x="803536" y="634045"/>
+                  </a:lnTo>
+                  <a:lnTo>
+                    <a:pt x="736574" y="581208"/>
+                  </a:lnTo>
+                  <a:lnTo>
+                    <a:pt x="669613" y="528371"/>
+                  </a:lnTo>
+                  <a:lnTo>
+                    <a:pt x="602652" y="475533"/>
+                  </a:lnTo>
+                  <a:lnTo>
+                    <a:pt x="535690" y="422696"/>
+                  </a:lnTo>
+                  <a:lnTo>
+                    <a:pt x="468729" y="369859"/>
+                  </a:lnTo>
+                  <a:lnTo>
+                    <a:pt x="401768" y="317022"/>
+                  </a:lnTo>
+                  <a:lnTo>
+                    <a:pt x="334806" y="264185"/>
+                  </a:lnTo>
+                  <a:lnTo>
+                    <a:pt x="267845" y="211348"/>
+                  </a:lnTo>
+                  <a:lnTo>
+                    <a:pt x="200884" y="158511"/>
+                  </a:lnTo>
+                  <a:lnTo>
+                    <a:pt x="133922" y="105674"/>
+                  </a:lnTo>
+                  <a:lnTo>
+                    <a:pt x="66961" y="52837"/>
                   </a:lnTo>
                   <a:close/>
                 </a:path>
@@ -3192,441 +3186,441 @@
           </p:nvSpPr>
           <p:spPr>
             <a:xfrm>
-              <a:off x="3012885" y="2039596"/>
-              <a:ext cx="3072437" cy="4657155"/>
+              <a:off x="3012854" y="2151071"/>
+              <a:ext cx="3263374" cy="4545451"/>
             </a:xfrm>
             <a:custGeom>
               <a:avLst/>
               <a:pathLst>
-                <a:path w="3072437" h="4657155">
+                <a:path w="3263374" h="4545451">
                   <a:moveTo>
-                    <a:pt x="2473514" y="2183585"/>
+                    <a:pt x="2473545" y="2072111"/>
                   </a:moveTo>
                   <a:lnTo>
-                    <a:pt x="2433438" y="2108289"/>
-                  </a:lnTo>
-                  <a:lnTo>
-                    <a:pt x="2393362" y="2032993"/>
-                  </a:lnTo>
-                  <a:lnTo>
-                    <a:pt x="2353286" y="1957697"/>
-                  </a:lnTo>
-                  <a:lnTo>
-                    <a:pt x="2313210" y="1882401"/>
-                  </a:lnTo>
-                  <a:lnTo>
-                    <a:pt x="2273134" y="1807105"/>
-                  </a:lnTo>
-                  <a:lnTo>
-                    <a:pt x="2233058" y="1731809"/>
-                  </a:lnTo>
-                  <a:lnTo>
-                    <a:pt x="2192982" y="1656513"/>
-                  </a:lnTo>
-                  <a:lnTo>
-                    <a:pt x="2152906" y="1581217"/>
-                  </a:lnTo>
-                  <a:lnTo>
-                    <a:pt x="2112830" y="1505921"/>
-                  </a:lnTo>
-                  <a:lnTo>
-                    <a:pt x="2072754" y="1430625"/>
-                  </a:lnTo>
-                  <a:lnTo>
-                    <a:pt x="2032678" y="1355329"/>
-                  </a:lnTo>
-                  <a:lnTo>
-                    <a:pt x="1992602" y="1280033"/>
-                  </a:lnTo>
-                  <a:lnTo>
-                    <a:pt x="1952526" y="1204736"/>
-                  </a:lnTo>
-                  <a:lnTo>
-                    <a:pt x="1912450" y="1129440"/>
-                  </a:lnTo>
-                  <a:lnTo>
-                    <a:pt x="1872374" y="1054144"/>
-                  </a:lnTo>
-                  <a:lnTo>
-                    <a:pt x="1832298" y="978848"/>
-                  </a:lnTo>
-                  <a:lnTo>
-                    <a:pt x="1792222" y="903552"/>
-                  </a:lnTo>
-                  <a:lnTo>
-                    <a:pt x="1752146" y="828256"/>
-                  </a:lnTo>
-                  <a:lnTo>
-                    <a:pt x="1712070" y="752960"/>
-                  </a:lnTo>
-                  <a:lnTo>
-                    <a:pt x="1671994" y="677664"/>
-                  </a:lnTo>
-                  <a:lnTo>
-                    <a:pt x="1631918" y="602368"/>
-                  </a:lnTo>
-                  <a:lnTo>
-                    <a:pt x="1591842" y="527072"/>
-                  </a:lnTo>
-                  <a:lnTo>
-                    <a:pt x="1551766" y="451776"/>
-                  </a:lnTo>
-                  <a:lnTo>
-                    <a:pt x="1511690" y="376480"/>
-                  </a:lnTo>
-                  <a:lnTo>
-                    <a:pt x="1471614" y="301184"/>
-                  </a:lnTo>
-                  <a:lnTo>
-                    <a:pt x="1431538" y="225888"/>
-                  </a:lnTo>
-                  <a:lnTo>
-                    <a:pt x="1391462" y="150592"/>
-                  </a:lnTo>
-                  <a:lnTo>
-                    <a:pt x="1351386" y="75296"/>
-                  </a:lnTo>
-                  <a:lnTo>
-                    <a:pt x="1311310" y="0"/>
-                  </a:lnTo>
-                  <a:lnTo>
-                    <a:pt x="1237576" y="40871"/>
-                  </a:lnTo>
-                  <a:lnTo>
-                    <a:pt x="1165279" y="84232"/>
-                  </a:lnTo>
-                  <a:lnTo>
-                    <a:pt x="1094500" y="130031"/>
-                  </a:lnTo>
-                  <a:lnTo>
-                    <a:pt x="1025324" y="178215"/>
-                  </a:lnTo>
-                  <a:lnTo>
-                    <a:pt x="957830" y="228728"/>
-                  </a:lnTo>
-                  <a:lnTo>
-                    <a:pt x="892096" y="281512"/>
-                  </a:lnTo>
-                  <a:lnTo>
-                    <a:pt x="828199" y="336506"/>
-                  </a:lnTo>
-                  <a:lnTo>
-                    <a:pt x="766213" y="393644"/>
-                  </a:lnTo>
-                  <a:lnTo>
-                    <a:pt x="706210" y="452862"/>
-                  </a:lnTo>
-                  <a:lnTo>
-                    <a:pt x="648260" y="514090"/>
-                  </a:lnTo>
-                  <a:lnTo>
-                    <a:pt x="592430" y="577258"/>
-                  </a:lnTo>
-                  <a:lnTo>
-                    <a:pt x="538785" y="642291"/>
-                  </a:lnTo>
-                  <a:lnTo>
-                    <a:pt x="487387" y="709114"/>
-                  </a:lnTo>
-                  <a:lnTo>
-                    <a:pt x="438296" y="777650"/>
-                  </a:lnTo>
-                  <a:lnTo>
-                    <a:pt x="391569" y="847819"/>
-                  </a:lnTo>
-                  <a:lnTo>
-                    <a:pt x="347260" y="919540"/>
-                  </a:lnTo>
-                  <a:lnTo>
-                    <a:pt x="305421" y="992728"/>
-                  </a:lnTo>
-                  <a:lnTo>
-                    <a:pt x="266101" y="1067300"/>
-                  </a:lnTo>
-                  <a:lnTo>
-                    <a:pt x="229344" y="1143169"/>
-                  </a:lnTo>
-                  <a:lnTo>
-                    <a:pt x="195194" y="1220246"/>
-                  </a:lnTo>
-                  <a:lnTo>
-                    <a:pt x="163690" y="1298442"/>
-                  </a:lnTo>
-                  <a:lnTo>
-                    <a:pt x="134869" y="1377666"/>
-                  </a:lnTo>
-                  <a:lnTo>
-                    <a:pt x="108765" y="1457826"/>
-                  </a:lnTo>
-                  <a:lnTo>
-                    <a:pt x="85407" y="1538829"/>
-                  </a:lnTo>
-                  <a:lnTo>
-                    <a:pt x="64823" y="1620581"/>
-                  </a:lnTo>
-                  <a:lnTo>
-                    <a:pt x="47037" y="1702987"/>
-                  </a:lnTo>
-                  <a:lnTo>
-                    <a:pt x="32069" y="1785951"/>
-                  </a:lnTo>
-                  <a:lnTo>
-                    <a:pt x="19937" y="1869378"/>
-                  </a:lnTo>
-                  <a:lnTo>
-                    <a:pt x="10655" y="1953169"/>
-                  </a:lnTo>
-                  <a:lnTo>
-                    <a:pt x="4234" y="2037227"/>
-                  </a:lnTo>
-                  <a:lnTo>
-                    <a:pt x="681" y="2121456"/>
-                  </a:lnTo>
-                  <a:lnTo>
-                    <a:pt x="0" y="2205757"/>
-                  </a:lnTo>
-                  <a:lnTo>
-                    <a:pt x="2192" y="2290032"/>
-                  </a:lnTo>
-                  <a:lnTo>
-                    <a:pt x="7254" y="2374183"/>
-                  </a:lnTo>
-                  <a:lnTo>
-                    <a:pt x="15181" y="2458113"/>
-                  </a:lnTo>
-                  <a:lnTo>
-                    <a:pt x="25964" y="2541725"/>
-                  </a:lnTo>
-                  <a:lnTo>
-                    <a:pt x="39589" y="2624920"/>
-                  </a:lnTo>
-                  <a:lnTo>
-                    <a:pt x="56042" y="2707602"/>
-                  </a:lnTo>
-                  <a:lnTo>
-                    <a:pt x="75302" y="2789676"/>
-                  </a:lnTo>
-                  <a:lnTo>
-                    <a:pt x="97348" y="2871046"/>
-                  </a:lnTo>
-                  <a:lnTo>
-                    <a:pt x="122154" y="2951618"/>
-                  </a:lnTo>
-                  <a:lnTo>
-                    <a:pt x="149692" y="3031297"/>
-                  </a:lnTo>
-                  <a:lnTo>
-                    <a:pt x="179928" y="3109992"/>
-                  </a:lnTo>
-                  <a:lnTo>
-                    <a:pt x="212828" y="3187610"/>
-                  </a:lnTo>
-                  <a:lnTo>
-                    <a:pt x="248355" y="3264063"/>
-                  </a:lnTo>
-                  <a:lnTo>
-                    <a:pt x="286466" y="3339260"/>
-                  </a:lnTo>
-                  <a:lnTo>
-                    <a:pt x="327117" y="3413116"/>
-                  </a:lnTo>
-                  <a:lnTo>
-                    <a:pt x="370261" y="3485543"/>
-                  </a:lnTo>
-                  <a:lnTo>
-                    <a:pt x="415848" y="3556457"/>
-                  </a:lnTo>
-                  <a:lnTo>
-                    <a:pt x="463826" y="3625777"/>
-                  </a:lnTo>
-                  <a:lnTo>
-                    <a:pt x="514137" y="3693422"/>
-                  </a:lnTo>
-                  <a:lnTo>
-                    <a:pt x="566725" y="3759314"/>
-                  </a:lnTo>
-                  <a:lnTo>
-                    <a:pt x="621527" y="3823375"/>
-                  </a:lnTo>
-                  <a:lnTo>
-                    <a:pt x="678480" y="3885531"/>
-                  </a:lnTo>
-                  <a:lnTo>
-                    <a:pt x="737518" y="3945710"/>
-                  </a:lnTo>
-                  <a:lnTo>
-                    <a:pt x="798573" y="4003843"/>
-                  </a:lnTo>
-                  <a:lnTo>
-                    <a:pt x="861573" y="4059862"/>
-                  </a:lnTo>
-                  <a:lnTo>
-                    <a:pt x="926446" y="4113701"/>
-                  </a:lnTo>
-                  <a:lnTo>
-                    <a:pt x="993115" y="4165298"/>
-                  </a:lnTo>
-                  <a:lnTo>
-                    <a:pt x="1061504" y="4214594"/>
-                  </a:lnTo>
-                  <a:lnTo>
-                    <a:pt x="1131533" y="4261530"/>
-                  </a:lnTo>
-                  <a:lnTo>
-                    <a:pt x="1203121" y="4306053"/>
-                  </a:lnTo>
-                  <a:lnTo>
-                    <a:pt x="1276185" y="4348110"/>
-                  </a:lnTo>
-                  <a:lnTo>
-                    <a:pt x="1350639" y="4387654"/>
-                  </a:lnTo>
-                  <a:lnTo>
-                    <a:pt x="1426397" y="4424637"/>
-                  </a:lnTo>
-                  <a:lnTo>
-                    <a:pt x="1503372" y="4459017"/>
-                  </a:lnTo>
-                  <a:lnTo>
-                    <a:pt x="1581473" y="4490754"/>
-                  </a:lnTo>
-                  <a:lnTo>
-                    <a:pt x="1660611" y="4519812"/>
-                  </a:lnTo>
-                  <a:lnTo>
-                    <a:pt x="1740693" y="4546156"/>
-                  </a:lnTo>
-                  <a:lnTo>
-                    <a:pt x="1821626" y="4569755"/>
-                  </a:lnTo>
-                  <a:lnTo>
-                    <a:pt x="1903316" y="4590583"/>
-                  </a:lnTo>
-                  <a:lnTo>
-                    <a:pt x="1985668" y="4608616"/>
-                  </a:lnTo>
-                  <a:lnTo>
-                    <a:pt x="2068588" y="4623831"/>
-                  </a:lnTo>
-                  <a:lnTo>
-                    <a:pt x="2151977" y="4636212"/>
-                  </a:lnTo>
-                  <a:lnTo>
-                    <a:pt x="2235740" y="4645745"/>
-                  </a:lnTo>
-                  <a:lnTo>
-                    <a:pt x="2319779" y="4652417"/>
-                  </a:lnTo>
-                  <a:lnTo>
-                    <a:pt x="2403997" y="4656222"/>
-                  </a:lnTo>
-                  <a:lnTo>
-                    <a:pt x="2488295" y="4657155"/>
-                  </a:lnTo>
-                  <a:lnTo>
-                    <a:pt x="2572576" y="4655215"/>
-                  </a:lnTo>
-                  <a:lnTo>
-                    <a:pt x="2656743" y="4650404"/>
-                  </a:lnTo>
-                  <a:lnTo>
-                    <a:pt x="2740696" y="4642727"/>
-                  </a:lnTo>
-                  <a:lnTo>
-                    <a:pt x="2824339" y="4632195"/>
-                  </a:lnTo>
-                  <a:lnTo>
-                    <a:pt x="2907575" y="4618818"/>
-                  </a:lnTo>
-                  <a:lnTo>
-                    <a:pt x="2990306" y="4602612"/>
-                  </a:lnTo>
-                  <a:lnTo>
-                    <a:pt x="3072437" y="4583597"/>
-                  </a:lnTo>
-                  <a:lnTo>
-                    <a:pt x="3051785" y="4500838"/>
-                  </a:lnTo>
-                  <a:lnTo>
-                    <a:pt x="3031132" y="4418079"/>
-                  </a:lnTo>
-                  <a:lnTo>
-                    <a:pt x="3010480" y="4335320"/>
-                  </a:lnTo>
-                  <a:lnTo>
-                    <a:pt x="2989827" y="4252561"/>
-                  </a:lnTo>
-                  <a:lnTo>
-                    <a:pt x="2969175" y="4169802"/>
-                  </a:lnTo>
-                  <a:lnTo>
-                    <a:pt x="2948522" y="4087043"/>
-                  </a:lnTo>
-                  <a:lnTo>
-                    <a:pt x="2927869" y="4004284"/>
-                  </a:lnTo>
-                  <a:lnTo>
-                    <a:pt x="2907217" y="3921525"/>
-                  </a:lnTo>
-                  <a:lnTo>
-                    <a:pt x="2886564" y="3838766"/>
-                  </a:lnTo>
-                  <a:lnTo>
-                    <a:pt x="2865912" y="3756007"/>
-                  </a:lnTo>
-                  <a:lnTo>
-                    <a:pt x="2845259" y="3673248"/>
-                  </a:lnTo>
-                  <a:lnTo>
-                    <a:pt x="2824607" y="3590489"/>
-                  </a:lnTo>
-                  <a:lnTo>
-                    <a:pt x="2803954" y="3507730"/>
-                  </a:lnTo>
-                  <a:lnTo>
-                    <a:pt x="2783302" y="3424971"/>
-                  </a:lnTo>
-                  <a:lnTo>
-                    <a:pt x="2762649" y="3342212"/>
-                  </a:lnTo>
-                  <a:lnTo>
-                    <a:pt x="2741997" y="3259453"/>
-                  </a:lnTo>
-                  <a:lnTo>
-                    <a:pt x="2721344" y="3176694"/>
-                  </a:lnTo>
-                  <a:lnTo>
-                    <a:pt x="2700692" y="3093935"/>
-                  </a:lnTo>
-                  <a:lnTo>
-                    <a:pt x="2680039" y="3011176"/>
-                  </a:lnTo>
-                  <a:lnTo>
-                    <a:pt x="2659387" y="2928417"/>
-                  </a:lnTo>
-                  <a:lnTo>
-                    <a:pt x="2638734" y="2845658"/>
-                  </a:lnTo>
-                  <a:lnTo>
-                    <a:pt x="2618082" y="2762899"/>
-                  </a:lnTo>
-                  <a:lnTo>
-                    <a:pt x="2597429" y="2680139"/>
-                  </a:lnTo>
-                  <a:lnTo>
-                    <a:pt x="2576777" y="2597380"/>
-                  </a:lnTo>
-                  <a:lnTo>
-                    <a:pt x="2556124" y="2514621"/>
-                  </a:lnTo>
-                  <a:lnTo>
-                    <a:pt x="2535472" y="2431862"/>
-                  </a:lnTo>
-                  <a:lnTo>
-                    <a:pt x="2514819" y="2349103"/>
-                  </a:lnTo>
-                  <a:lnTo>
-                    <a:pt x="2494167" y="2266344"/>
+                    <a:pt x="2426960" y="2000659"/>
+                  </a:lnTo>
+                  <a:lnTo>
+                    <a:pt x="2380375" y="1929207"/>
+                  </a:lnTo>
+                  <a:lnTo>
+                    <a:pt x="2333790" y="1857755"/>
+                  </a:lnTo>
+                  <a:lnTo>
+                    <a:pt x="2287204" y="1786302"/>
+                  </a:lnTo>
+                  <a:lnTo>
+                    <a:pt x="2240619" y="1714850"/>
+                  </a:lnTo>
+                  <a:lnTo>
+                    <a:pt x="2194034" y="1643398"/>
+                  </a:lnTo>
+                  <a:lnTo>
+                    <a:pt x="2147449" y="1571946"/>
+                  </a:lnTo>
+                  <a:lnTo>
+                    <a:pt x="2100864" y="1500494"/>
+                  </a:lnTo>
+                  <a:lnTo>
+                    <a:pt x="2054278" y="1429042"/>
+                  </a:lnTo>
+                  <a:lnTo>
+                    <a:pt x="2007693" y="1357590"/>
+                  </a:lnTo>
+                  <a:lnTo>
+                    <a:pt x="1961108" y="1286138"/>
+                  </a:lnTo>
+                  <a:lnTo>
+                    <a:pt x="1914523" y="1214685"/>
+                  </a:lnTo>
+                  <a:lnTo>
+                    <a:pt x="1867938" y="1143233"/>
+                  </a:lnTo>
+                  <a:lnTo>
+                    <a:pt x="1821353" y="1071781"/>
+                  </a:lnTo>
+                  <a:lnTo>
+                    <a:pt x="1774767" y="1000329"/>
+                  </a:lnTo>
+                  <a:lnTo>
+                    <a:pt x="1728182" y="928877"/>
+                  </a:lnTo>
+                  <a:lnTo>
+                    <a:pt x="1681597" y="857425"/>
+                  </a:lnTo>
+                  <a:lnTo>
+                    <a:pt x="1635012" y="785973"/>
+                  </a:lnTo>
+                  <a:lnTo>
+                    <a:pt x="1588427" y="714521"/>
+                  </a:lnTo>
+                  <a:lnTo>
+                    <a:pt x="1541842" y="643069"/>
+                  </a:lnTo>
+                  <a:lnTo>
+                    <a:pt x="1495256" y="571616"/>
+                  </a:lnTo>
+                  <a:lnTo>
+                    <a:pt x="1448671" y="500164"/>
+                  </a:lnTo>
+                  <a:lnTo>
+                    <a:pt x="1402086" y="428712"/>
+                  </a:lnTo>
+                  <a:lnTo>
+                    <a:pt x="1355501" y="357260"/>
+                  </a:lnTo>
+                  <a:lnTo>
+                    <a:pt x="1308916" y="285808"/>
+                  </a:lnTo>
+                  <a:lnTo>
+                    <a:pt x="1262330" y="214356"/>
+                  </a:lnTo>
+                  <a:lnTo>
+                    <a:pt x="1215745" y="142904"/>
+                  </a:lnTo>
+                  <a:lnTo>
+                    <a:pt x="1169160" y="71452"/>
+                  </a:lnTo>
+                  <a:lnTo>
+                    <a:pt x="1122575" y="0"/>
+                  </a:lnTo>
+                  <a:lnTo>
+                    <a:pt x="1052946" y="47101"/>
+                  </a:lnTo>
+                  <a:lnTo>
+                    <a:pt x="984957" y="96542"/>
+                  </a:lnTo>
+                  <a:lnTo>
+                    <a:pt x="918688" y="148265"/>
+                  </a:lnTo>
+                  <a:lnTo>
+                    <a:pt x="854214" y="202209"/>
+                  </a:lnTo>
+                  <a:lnTo>
+                    <a:pt x="791611" y="258313"/>
+                  </a:lnTo>
+                  <a:lnTo>
+                    <a:pt x="730950" y="316512"/>
+                  </a:lnTo>
+                  <a:lnTo>
+                    <a:pt x="672302" y="376738"/>
+                  </a:lnTo>
+                  <a:lnTo>
+                    <a:pt x="615734" y="438923"/>
+                  </a:lnTo>
+                  <a:lnTo>
+                    <a:pt x="561311" y="502994"/>
+                  </a:lnTo>
+                  <a:lnTo>
+                    <a:pt x="509098" y="568877"/>
+                  </a:lnTo>
+                  <a:lnTo>
+                    <a:pt x="459153" y="636496"/>
+                  </a:lnTo>
+                  <a:lnTo>
+                    <a:pt x="411535" y="705773"/>
+                  </a:lnTo>
+                  <a:lnTo>
+                    <a:pt x="366298" y="776628"/>
+                  </a:lnTo>
+                  <a:lnTo>
+                    <a:pt x="323495" y="848980"/>
+                  </a:lnTo>
+                  <a:lnTo>
+                    <a:pt x="283175" y="922744"/>
+                  </a:lnTo>
+                  <a:lnTo>
+                    <a:pt x="245385" y="997836"/>
+                  </a:lnTo>
+                  <a:lnTo>
+                    <a:pt x="210168" y="1074168"/>
+                  </a:lnTo>
+                  <a:lnTo>
+                    <a:pt x="177565" y="1151653"/>
+                  </a:lnTo>
+                  <a:lnTo>
+                    <a:pt x="147614" y="1230201"/>
+                  </a:lnTo>
+                  <a:lnTo>
+                    <a:pt x="120350" y="1309721"/>
+                  </a:lnTo>
+                  <a:lnTo>
+                    <a:pt x="95803" y="1390122"/>
+                  </a:lnTo>
+                  <a:lnTo>
+                    <a:pt x="74002" y="1471311"/>
+                  </a:lnTo>
+                  <a:lnTo>
+                    <a:pt x="54973" y="1553193"/>
+                  </a:lnTo>
+                  <a:lnTo>
+                    <a:pt x="38737" y="1635675"/>
+                  </a:lnTo>
+                  <a:lnTo>
+                    <a:pt x="25313" y="1718661"/>
+                  </a:lnTo>
+                  <a:lnTo>
+                    <a:pt x="14717" y="1802055"/>
+                  </a:lnTo>
+                  <a:lnTo>
+                    <a:pt x="6961" y="1885760"/>
+                  </a:lnTo>
+                  <a:lnTo>
+                    <a:pt x="2053" y="1969682"/>
+                  </a:lnTo>
+                  <a:lnTo>
+                    <a:pt x="0" y="2053721"/>
+                  </a:lnTo>
+                  <a:lnTo>
+                    <a:pt x="803" y="2137782"/>
+                  </a:lnTo>
+                  <a:lnTo>
+                    <a:pt x="4462" y="2221767"/>
+                  </a:lnTo>
+                  <a:lnTo>
+                    <a:pt x="10974" y="2305579"/>
+                  </a:lnTo>
+                  <a:lnTo>
+                    <a:pt x="20329" y="2389121"/>
+                  </a:lnTo>
+                  <a:lnTo>
+                    <a:pt x="32517" y="2472297"/>
+                  </a:lnTo>
+                  <a:lnTo>
+                    <a:pt x="47525" y="2555011"/>
+                  </a:lnTo>
+                  <a:lnTo>
+                    <a:pt x="65335" y="2637167"/>
+                  </a:lnTo>
+                  <a:lnTo>
+                    <a:pt x="85926" y="2718671"/>
+                  </a:lnTo>
+                  <a:lnTo>
+                    <a:pt x="109274" y="2799428"/>
+                  </a:lnTo>
+                  <a:lnTo>
+                    <a:pt x="135354" y="2879345"/>
+                  </a:lnTo>
+                  <a:lnTo>
+                    <a:pt x="164133" y="2958330"/>
+                  </a:lnTo>
+                  <a:lnTo>
+                    <a:pt x="195580" y="3036291"/>
+                  </a:lnTo>
+                  <a:lnTo>
+                    <a:pt x="229658" y="3113138"/>
+                  </a:lnTo>
+                  <a:lnTo>
+                    <a:pt x="266328" y="3188783"/>
+                  </a:lnTo>
+                  <a:lnTo>
+                    <a:pt x="305546" y="3263139"/>
+                  </a:lnTo>
+                  <a:lnTo>
+                    <a:pt x="347269" y="3336119"/>
+                  </a:lnTo>
+                  <a:lnTo>
+                    <a:pt x="391447" y="3407639"/>
+                  </a:lnTo>
+                  <a:lnTo>
+                    <a:pt x="438030" y="3477616"/>
+                  </a:lnTo>
+                  <a:lnTo>
+                    <a:pt x="486964" y="3545971"/>
+                  </a:lnTo>
+                  <a:lnTo>
+                    <a:pt x="538193" y="3612623"/>
+                  </a:lnTo>
+                  <a:lnTo>
+                    <a:pt x="591656" y="3677496"/>
+                  </a:lnTo>
+                  <a:lnTo>
+                    <a:pt x="647293" y="3740514"/>
+                  </a:lnTo>
+                  <a:lnTo>
+                    <a:pt x="705040" y="3801606"/>
+                  </a:lnTo>
+                  <a:lnTo>
+                    <a:pt x="764828" y="3860701"/>
+                  </a:lnTo>
+                  <a:lnTo>
+                    <a:pt x="826591" y="3917729"/>
+                  </a:lnTo>
+                  <a:lnTo>
+                    <a:pt x="890255" y="3972626"/>
+                  </a:lnTo>
+                  <a:lnTo>
+                    <a:pt x="955748" y="4025328"/>
+                  </a:lnTo>
+                  <a:lnTo>
+                    <a:pt x="1022994" y="4075774"/>
+                  </a:lnTo>
+                  <a:lnTo>
+                    <a:pt x="1091915" y="4123906"/>
+                  </a:lnTo>
+                  <a:lnTo>
+                    <a:pt x="1162432" y="4169669"/>
+                  </a:lnTo>
+                  <a:lnTo>
+                    <a:pt x="1234464" y="4213009"/>
+                  </a:lnTo>
+                  <a:lnTo>
+                    <a:pt x="1307926" y="4253876"/>
+                  </a:lnTo>
+                  <a:lnTo>
+                    <a:pt x="1382735" y="4292223"/>
+                  </a:lnTo>
+                  <a:lnTo>
+                    <a:pt x="1458803" y="4328006"/>
+                  </a:lnTo>
+                  <a:lnTo>
+                    <a:pt x="1536043" y="4361184"/>
+                  </a:lnTo>
+                  <a:lnTo>
+                    <a:pt x="1614366" y="4391718"/>
+                  </a:lnTo>
+                  <a:lnTo>
+                    <a:pt x="1693682" y="4419573"/>
+                  </a:lnTo>
+                  <a:lnTo>
+                    <a:pt x="1773898" y="4444717"/>
+                  </a:lnTo>
+                  <a:lnTo>
+                    <a:pt x="1854922" y="4467121"/>
+                  </a:lnTo>
+                  <a:lnTo>
+                    <a:pt x="1936661" y="4486758"/>
+                  </a:lnTo>
+                  <a:lnTo>
+                    <a:pt x="2019020" y="4503607"/>
+                  </a:lnTo>
+                  <a:lnTo>
+                    <a:pt x="2101903" y="4517647"/>
+                  </a:lnTo>
+                  <a:lnTo>
+                    <a:pt x="2185216" y="4528863"/>
+                  </a:lnTo>
+                  <a:lnTo>
+                    <a:pt x="2268862" y="4537242"/>
+                  </a:lnTo>
+                  <a:lnTo>
+                    <a:pt x="2352745" y="4542773"/>
+                  </a:lnTo>
+                  <a:lnTo>
+                    <a:pt x="2436766" y="4545451"/>
+                  </a:lnTo>
+                  <a:lnTo>
+                    <a:pt x="2520831" y="4545273"/>
+                  </a:lnTo>
+                  <a:lnTo>
+                    <a:pt x="2604840" y="4542238"/>
+                  </a:lnTo>
+                  <a:lnTo>
+                    <a:pt x="2688699" y="4536350"/>
+                  </a:lnTo>
+                  <a:lnTo>
+                    <a:pt x="2772308" y="4527616"/>
+                  </a:lnTo>
+                  <a:lnTo>
+                    <a:pt x="2855573" y="4516046"/>
+                  </a:lnTo>
+                  <a:lnTo>
+                    <a:pt x="2938396" y="4501654"/>
+                  </a:lnTo>
+                  <a:lnTo>
+                    <a:pt x="3020682" y="4484456"/>
+                  </a:lnTo>
+                  <a:lnTo>
+                    <a:pt x="3102337" y="4464471"/>
+                  </a:lnTo>
+                  <a:lnTo>
+                    <a:pt x="3183265" y="4441723"/>
+                  </a:lnTo>
+                  <a:lnTo>
+                    <a:pt x="3263374" y="4416239"/>
+                  </a:lnTo>
+                  <a:lnTo>
+                    <a:pt x="3236138" y="4335407"/>
+                  </a:lnTo>
+                  <a:lnTo>
+                    <a:pt x="3208903" y="4254575"/>
+                  </a:lnTo>
+                  <a:lnTo>
+                    <a:pt x="3181667" y="4173743"/>
+                  </a:lnTo>
+                  <a:lnTo>
+                    <a:pt x="3154432" y="4092911"/>
+                  </a:lnTo>
+                  <a:lnTo>
+                    <a:pt x="3127196" y="4012079"/>
+                  </a:lnTo>
+                  <a:lnTo>
+                    <a:pt x="3099961" y="3931247"/>
+                  </a:lnTo>
+                  <a:lnTo>
+                    <a:pt x="3072725" y="3850415"/>
+                  </a:lnTo>
+                  <a:lnTo>
+                    <a:pt x="3045490" y="3769583"/>
+                  </a:lnTo>
+                  <a:lnTo>
+                    <a:pt x="3018255" y="3688751"/>
+                  </a:lnTo>
+                  <a:lnTo>
+                    <a:pt x="2991019" y="3607919"/>
+                  </a:lnTo>
+                  <a:lnTo>
+                    <a:pt x="2963784" y="3527087"/>
+                  </a:lnTo>
+                  <a:lnTo>
+                    <a:pt x="2936548" y="3446255"/>
+                  </a:lnTo>
+                  <a:lnTo>
+                    <a:pt x="2909313" y="3365423"/>
+                  </a:lnTo>
+                  <a:lnTo>
+                    <a:pt x="2882077" y="3284591"/>
+                  </a:lnTo>
+                  <a:lnTo>
+                    <a:pt x="2854842" y="3203759"/>
+                  </a:lnTo>
+                  <a:lnTo>
+                    <a:pt x="2827606" y="3122927"/>
+                  </a:lnTo>
+                  <a:lnTo>
+                    <a:pt x="2800371" y="3042095"/>
+                  </a:lnTo>
+                  <a:lnTo>
+                    <a:pt x="2773135" y="2961263"/>
+                  </a:lnTo>
+                  <a:lnTo>
+                    <a:pt x="2745900" y="2880431"/>
+                  </a:lnTo>
+                  <a:lnTo>
+                    <a:pt x="2718664" y="2799599"/>
+                  </a:lnTo>
+                  <a:lnTo>
+                    <a:pt x="2691429" y="2718767"/>
+                  </a:lnTo>
+                  <a:lnTo>
+                    <a:pt x="2664193" y="2637935"/>
+                  </a:lnTo>
+                  <a:lnTo>
+                    <a:pt x="2636958" y="2557103"/>
+                  </a:lnTo>
+                  <a:lnTo>
+                    <a:pt x="2609722" y="2476271"/>
+                  </a:lnTo>
+                  <a:lnTo>
+                    <a:pt x="2582487" y="2395439"/>
+                  </a:lnTo>
+                  <a:lnTo>
+                    <a:pt x="2555251" y="2314607"/>
+                  </a:lnTo>
+                  <a:lnTo>
+                    <a:pt x="2528016" y="2233775"/>
+                  </a:lnTo>
+                  <a:lnTo>
+                    <a:pt x="2500781" y="2152943"/>
                   </a:lnTo>
                   <a:close/>
                 </a:path>
@@ -3661,228 +3655,237 @@
           </p:nvSpPr>
           <p:spPr>
             <a:xfrm>
-              <a:off x="4324195" y="1749568"/>
-              <a:ext cx="1162204" cy="2473613"/>
+              <a:off x="4135429" y="1749568"/>
+              <a:ext cx="1350970" cy="2473613"/>
             </a:xfrm>
             <a:custGeom>
               <a:avLst/>
               <a:pathLst>
-                <a:path w="1162204" h="2473613">
+                <a:path w="1350970" h="2473613">
                   <a:moveTo>
-                    <a:pt x="1162204" y="2473613"/>
+                    <a:pt x="1350970" y="2473613"/>
                   </a:moveTo>
                   <a:lnTo>
-                    <a:pt x="1162204" y="2388316"/>
-                  </a:lnTo>
-                  <a:lnTo>
-                    <a:pt x="1162204" y="2303019"/>
-                  </a:lnTo>
-                  <a:lnTo>
-                    <a:pt x="1162204" y="2217722"/>
-                  </a:lnTo>
-                  <a:lnTo>
-                    <a:pt x="1162204" y="2132425"/>
-                  </a:lnTo>
-                  <a:lnTo>
-                    <a:pt x="1162204" y="2047128"/>
-                  </a:lnTo>
-                  <a:lnTo>
-                    <a:pt x="1162204" y="1961831"/>
-                  </a:lnTo>
-                  <a:lnTo>
-                    <a:pt x="1162204" y="1876534"/>
-                  </a:lnTo>
-                  <a:lnTo>
-                    <a:pt x="1162204" y="1791237"/>
-                  </a:lnTo>
-                  <a:lnTo>
-                    <a:pt x="1162204" y="1705940"/>
-                  </a:lnTo>
-                  <a:lnTo>
-                    <a:pt x="1162204" y="1620643"/>
-                  </a:lnTo>
-                  <a:lnTo>
-                    <a:pt x="1162204" y="1535346"/>
-                  </a:lnTo>
-                  <a:lnTo>
-                    <a:pt x="1162204" y="1450049"/>
-                  </a:lnTo>
-                  <a:lnTo>
-                    <a:pt x="1162204" y="1364752"/>
-                  </a:lnTo>
-                  <a:lnTo>
-                    <a:pt x="1162204" y="1279455"/>
-                  </a:lnTo>
-                  <a:lnTo>
-                    <a:pt x="1162204" y="1194158"/>
-                  </a:lnTo>
-                  <a:lnTo>
-                    <a:pt x="1162204" y="1108861"/>
-                  </a:lnTo>
-                  <a:lnTo>
-                    <a:pt x="1162204" y="1023564"/>
-                  </a:lnTo>
-                  <a:lnTo>
-                    <a:pt x="1162204" y="938267"/>
-                  </a:lnTo>
-                  <a:lnTo>
-                    <a:pt x="1162204" y="852970"/>
-                  </a:lnTo>
-                  <a:lnTo>
-                    <a:pt x="1162204" y="767673"/>
-                  </a:lnTo>
-                  <a:lnTo>
-                    <a:pt x="1162204" y="682376"/>
-                  </a:lnTo>
-                  <a:lnTo>
-                    <a:pt x="1162204" y="597079"/>
-                  </a:lnTo>
-                  <a:lnTo>
-                    <a:pt x="1162204" y="511782"/>
-                  </a:lnTo>
-                  <a:lnTo>
-                    <a:pt x="1162204" y="426485"/>
-                  </a:lnTo>
-                  <a:lnTo>
-                    <a:pt x="1162204" y="341188"/>
-                  </a:lnTo>
-                  <a:lnTo>
-                    <a:pt x="1162204" y="255891"/>
-                  </a:lnTo>
-                  <a:lnTo>
-                    <a:pt x="1162204" y="170594"/>
-                  </a:lnTo>
-                  <a:lnTo>
-                    <a:pt x="1162204" y="85297"/>
-                  </a:lnTo>
-                  <a:lnTo>
-                    <a:pt x="1162204" y="0"/>
-                  </a:lnTo>
-                  <a:lnTo>
-                    <a:pt x="1075802" y="1509"/>
-                  </a:lnTo>
-                  <a:lnTo>
-                    <a:pt x="989506" y="6035"/>
-                  </a:lnTo>
-                  <a:lnTo>
-                    <a:pt x="903420" y="13573"/>
-                  </a:lnTo>
-                  <a:lnTo>
-                    <a:pt x="817651" y="24114"/>
-                  </a:lnTo>
-                  <a:lnTo>
-                    <a:pt x="732302" y="37643"/>
-                  </a:lnTo>
-                  <a:lnTo>
-                    <a:pt x="647477" y="54146"/>
-                  </a:lnTo>
-                  <a:lnTo>
-                    <a:pt x="563281" y="73602"/>
-                  </a:lnTo>
-                  <a:lnTo>
-                    <a:pt x="479815" y="95986"/>
-                  </a:lnTo>
-                  <a:lnTo>
-                    <a:pt x="397183" y="121272"/>
-                  </a:lnTo>
-                  <a:lnTo>
-                    <a:pt x="315484" y="149429"/>
-                  </a:lnTo>
-                  <a:lnTo>
-                    <a:pt x="234818" y="180423"/>
-                  </a:lnTo>
-                  <a:lnTo>
-                    <a:pt x="155285" y="214215"/>
-                  </a:lnTo>
-                  <a:lnTo>
-                    <a:pt x="76980" y="250765"/>
-                  </a:lnTo>
-                  <a:lnTo>
-                    <a:pt x="0" y="290028"/>
-                  </a:lnTo>
-                  <a:lnTo>
-                    <a:pt x="40076" y="365324"/>
-                  </a:lnTo>
-                  <a:lnTo>
-                    <a:pt x="80152" y="440620"/>
-                  </a:lnTo>
-                  <a:lnTo>
-                    <a:pt x="120228" y="515916"/>
-                  </a:lnTo>
-                  <a:lnTo>
-                    <a:pt x="160304" y="591212"/>
-                  </a:lnTo>
-                  <a:lnTo>
-                    <a:pt x="200380" y="666508"/>
-                  </a:lnTo>
-                  <a:lnTo>
-                    <a:pt x="240456" y="741804"/>
-                  </a:lnTo>
-                  <a:lnTo>
-                    <a:pt x="280532" y="817100"/>
-                  </a:lnTo>
-                  <a:lnTo>
-                    <a:pt x="320608" y="892396"/>
-                  </a:lnTo>
-                  <a:lnTo>
-                    <a:pt x="360684" y="967692"/>
-                  </a:lnTo>
-                  <a:lnTo>
-                    <a:pt x="400760" y="1042988"/>
-                  </a:lnTo>
-                  <a:lnTo>
-                    <a:pt x="440836" y="1118284"/>
-                  </a:lnTo>
-                  <a:lnTo>
-                    <a:pt x="480912" y="1193580"/>
-                  </a:lnTo>
-                  <a:lnTo>
-                    <a:pt x="520988" y="1268876"/>
-                  </a:lnTo>
-                  <a:lnTo>
-                    <a:pt x="561064" y="1344172"/>
-                  </a:lnTo>
-                  <a:lnTo>
-                    <a:pt x="601140" y="1419469"/>
-                  </a:lnTo>
-                  <a:lnTo>
-                    <a:pt x="641216" y="1494765"/>
-                  </a:lnTo>
-                  <a:lnTo>
-                    <a:pt x="681292" y="1570061"/>
-                  </a:lnTo>
-                  <a:lnTo>
-                    <a:pt x="721368" y="1645357"/>
-                  </a:lnTo>
-                  <a:lnTo>
-                    <a:pt x="761444" y="1720653"/>
-                  </a:lnTo>
-                  <a:lnTo>
-                    <a:pt x="801520" y="1795949"/>
-                  </a:lnTo>
-                  <a:lnTo>
-                    <a:pt x="841596" y="1871245"/>
-                  </a:lnTo>
-                  <a:lnTo>
-                    <a:pt x="881672" y="1946541"/>
-                  </a:lnTo>
-                  <a:lnTo>
-                    <a:pt x="921748" y="2021837"/>
-                  </a:lnTo>
-                  <a:lnTo>
-                    <a:pt x="961824" y="2097133"/>
-                  </a:lnTo>
-                  <a:lnTo>
-                    <a:pt x="1001900" y="2172429"/>
-                  </a:lnTo>
-                  <a:lnTo>
-                    <a:pt x="1041976" y="2247725"/>
-                  </a:lnTo>
-                  <a:lnTo>
-                    <a:pt x="1082052" y="2323021"/>
-                  </a:lnTo>
-                  <a:lnTo>
-                    <a:pt x="1122128" y="2398317"/>
+                    <a:pt x="1350970" y="2388316"/>
+                  </a:lnTo>
+                  <a:lnTo>
+                    <a:pt x="1350970" y="2303019"/>
+                  </a:lnTo>
+                  <a:lnTo>
+                    <a:pt x="1350970" y="2217722"/>
+                  </a:lnTo>
+                  <a:lnTo>
+                    <a:pt x="1350970" y="2132425"/>
+                  </a:lnTo>
+                  <a:lnTo>
+                    <a:pt x="1350970" y="2047128"/>
+                  </a:lnTo>
+                  <a:lnTo>
+                    <a:pt x="1350970" y="1961831"/>
+                  </a:lnTo>
+                  <a:lnTo>
+                    <a:pt x="1350970" y="1876534"/>
+                  </a:lnTo>
+                  <a:lnTo>
+                    <a:pt x="1350970" y="1791237"/>
+                  </a:lnTo>
+                  <a:lnTo>
+                    <a:pt x="1350970" y="1705940"/>
+                  </a:lnTo>
+                  <a:lnTo>
+                    <a:pt x="1350970" y="1620643"/>
+                  </a:lnTo>
+                  <a:lnTo>
+                    <a:pt x="1350970" y="1535346"/>
+                  </a:lnTo>
+                  <a:lnTo>
+                    <a:pt x="1350970" y="1450049"/>
+                  </a:lnTo>
+                  <a:lnTo>
+                    <a:pt x="1350970" y="1364752"/>
+                  </a:lnTo>
+                  <a:lnTo>
+                    <a:pt x="1350970" y="1279455"/>
+                  </a:lnTo>
+                  <a:lnTo>
+                    <a:pt x="1350970" y="1194158"/>
+                  </a:lnTo>
+                  <a:lnTo>
+                    <a:pt x="1350970" y="1108861"/>
+                  </a:lnTo>
+                  <a:lnTo>
+                    <a:pt x="1350970" y="1023564"/>
+                  </a:lnTo>
+                  <a:lnTo>
+                    <a:pt x="1350970" y="938267"/>
+                  </a:lnTo>
+                  <a:lnTo>
+                    <a:pt x="1350970" y="852970"/>
+                  </a:lnTo>
+                  <a:lnTo>
+                    <a:pt x="1350970" y="767673"/>
+                  </a:lnTo>
+                  <a:lnTo>
+                    <a:pt x="1350970" y="682376"/>
+                  </a:lnTo>
+                  <a:lnTo>
+                    <a:pt x="1350970" y="597079"/>
+                  </a:lnTo>
+                  <a:lnTo>
+                    <a:pt x="1350970" y="511782"/>
+                  </a:lnTo>
+                  <a:lnTo>
+                    <a:pt x="1350970" y="426485"/>
+                  </a:lnTo>
+                  <a:lnTo>
+                    <a:pt x="1350970" y="341188"/>
+                  </a:lnTo>
+                  <a:lnTo>
+                    <a:pt x="1350970" y="255891"/>
+                  </a:lnTo>
+                  <a:lnTo>
+                    <a:pt x="1350970" y="170594"/>
+                  </a:lnTo>
+                  <a:lnTo>
+                    <a:pt x="1350970" y="85297"/>
+                  </a:lnTo>
+                  <a:lnTo>
+                    <a:pt x="1350970" y="0"/>
+                  </a:lnTo>
+                  <a:lnTo>
+                    <a:pt x="1266917" y="1428"/>
+                  </a:lnTo>
+                  <a:lnTo>
+                    <a:pt x="1182962" y="5712"/>
+                  </a:lnTo>
+                  <a:lnTo>
+                    <a:pt x="1099201" y="12846"/>
+                  </a:lnTo>
+                  <a:lnTo>
+                    <a:pt x="1015730" y="22822"/>
+                  </a:lnTo>
+                  <a:lnTo>
+                    <a:pt x="932647" y="35628"/>
+                  </a:lnTo>
+                  <a:lnTo>
+                    <a:pt x="850047" y="51251"/>
+                  </a:lnTo>
+                  <a:lnTo>
+                    <a:pt x="768025" y="69671"/>
+                  </a:lnTo>
+                  <a:lnTo>
+                    <a:pt x="686677" y="90867"/>
+                  </a:lnTo>
+                  <a:lnTo>
+                    <a:pt x="606096" y="114815"/>
+                  </a:lnTo>
+                  <a:lnTo>
+                    <a:pt x="526375" y="141488"/>
+                  </a:lnTo>
+                  <a:lnTo>
+                    <a:pt x="447606" y="170854"/>
+                  </a:lnTo>
+                  <a:lnTo>
+                    <a:pt x="369881" y="202880"/>
+                  </a:lnTo>
+                  <a:lnTo>
+                    <a:pt x="293289" y="237528"/>
+                  </a:lnTo>
+                  <a:lnTo>
+                    <a:pt x="217919" y="274759"/>
+                  </a:lnTo>
+                  <a:lnTo>
+                    <a:pt x="143857" y="314529"/>
+                  </a:lnTo>
+                  <a:lnTo>
+                    <a:pt x="71189" y="356793"/>
+                  </a:lnTo>
+                  <a:lnTo>
+                    <a:pt x="0" y="401502"/>
+                  </a:lnTo>
+                  <a:lnTo>
+                    <a:pt x="46585" y="472954"/>
+                  </a:lnTo>
+                  <a:lnTo>
+                    <a:pt x="93170" y="544406"/>
+                  </a:lnTo>
+                  <a:lnTo>
+                    <a:pt x="139755" y="615858"/>
+                  </a:lnTo>
+                  <a:lnTo>
+                    <a:pt x="186340" y="687311"/>
+                  </a:lnTo>
+                  <a:lnTo>
+                    <a:pt x="232925" y="758763"/>
+                  </a:lnTo>
+                  <a:lnTo>
+                    <a:pt x="279511" y="830215"/>
+                  </a:lnTo>
+                  <a:lnTo>
+                    <a:pt x="326096" y="901667"/>
+                  </a:lnTo>
+                  <a:lnTo>
+                    <a:pt x="372681" y="973119"/>
+                  </a:lnTo>
+                  <a:lnTo>
+                    <a:pt x="419266" y="1044571"/>
+                  </a:lnTo>
+                  <a:lnTo>
+                    <a:pt x="465851" y="1116023"/>
+                  </a:lnTo>
+                  <a:lnTo>
+                    <a:pt x="512436" y="1187475"/>
+                  </a:lnTo>
+                  <a:lnTo>
+                    <a:pt x="559022" y="1258927"/>
+                  </a:lnTo>
+                  <a:lnTo>
+                    <a:pt x="605607" y="1330380"/>
+                  </a:lnTo>
+                  <a:lnTo>
+                    <a:pt x="652192" y="1401832"/>
+                  </a:lnTo>
+                  <a:lnTo>
+                    <a:pt x="698777" y="1473284"/>
+                  </a:lnTo>
+                  <a:lnTo>
+                    <a:pt x="745362" y="1544736"/>
+                  </a:lnTo>
+                  <a:lnTo>
+                    <a:pt x="791948" y="1616188"/>
+                  </a:lnTo>
+                  <a:lnTo>
+                    <a:pt x="838533" y="1687640"/>
+                  </a:lnTo>
+                  <a:lnTo>
+                    <a:pt x="885118" y="1759092"/>
+                  </a:lnTo>
+                  <a:lnTo>
+                    <a:pt x="931703" y="1830544"/>
+                  </a:lnTo>
+                  <a:lnTo>
+                    <a:pt x="978288" y="1901996"/>
+                  </a:lnTo>
+                  <a:lnTo>
+                    <a:pt x="1024873" y="1973449"/>
+                  </a:lnTo>
+                  <a:lnTo>
+                    <a:pt x="1071459" y="2044901"/>
+                  </a:lnTo>
+                  <a:lnTo>
+                    <a:pt x="1118044" y="2116353"/>
+                  </a:lnTo>
+                  <a:lnTo>
+                    <a:pt x="1164629" y="2187805"/>
+                  </a:lnTo>
+                  <a:lnTo>
+                    <a:pt x="1211214" y="2259257"/>
+                  </a:lnTo>
+                  <a:lnTo>
+                    <a:pt x="1257799" y="2330709"/>
+                  </a:lnTo>
+                  <a:lnTo>
+                    <a:pt x="1304384" y="2402161"/>
                   </a:lnTo>
                   <a:close/>
                 </a:path>
@@ -3917,7 +3920,7 @@
           </p:nvSpPr>
           <p:spPr>
             <a:xfrm>
-              <a:off x="4772873" y="2752102"/>
+              <a:off x="4770069" y="2751947"/>
               <a:ext cx="1566579" cy="157737"/>
             </a:xfrm>
             <a:prstGeom prst="rect">
@@ -3963,7 +3966,7 @@
           </p:nvSpPr>
           <p:spPr>
             <a:xfrm>
-              <a:off x="5128259" y="3058486"/>
+              <a:off x="5125456" y="3058330"/>
               <a:ext cx="855806" cy="163560"/>
             </a:xfrm>
             <a:prstGeom prst="rect">
@@ -3996,7 +3999,7 @@
                   <a:latin typeface="Arial"/>
                   <a:cs typeface="Arial"/>
                 </a:rPr>
-                <a:t> 1.796 %</a:t>
+                <a:t> 1.724 %</a:t>
               </a:r>
             </a:p>
           </p:txBody>
@@ -4009,7 +4012,7 @@
           </p:nvSpPr>
           <p:spPr>
             <a:xfrm>
-              <a:off x="5630804" y="3565142"/>
+              <a:off x="5608657" y="3508481"/>
               <a:ext cx="2036510" cy="157737"/>
             </a:xfrm>
             <a:prstGeom prst="rect">
@@ -4055,7 +4058,7 @@
           </p:nvSpPr>
           <p:spPr>
             <a:xfrm>
-              <a:off x="6160866" y="3871525"/>
+              <a:off x="6138719" y="3814865"/>
               <a:ext cx="976386" cy="163560"/>
             </a:xfrm>
             <a:prstGeom prst="rect">
@@ -4088,7 +4091,7 @@
                   <a:latin typeface="Arial"/>
                   <a:cs typeface="Arial"/>
                 </a:rPr>
-                <a:t> 35.329 %</a:t>
+                <a:t> 33.908 %</a:t>
               </a:r>
             </a:p>
           </p:txBody>
@@ -4101,7 +4104,7 @@
           </p:nvSpPr>
           <p:spPr>
             <a:xfrm>
-              <a:off x="5602074" y="5015556"/>
+              <a:off x="5692764" y="4957387"/>
               <a:ext cx="1012168" cy="198283"/>
             </a:xfrm>
             <a:prstGeom prst="rect">
@@ -4147,7 +4150,7 @@
           </p:nvSpPr>
           <p:spPr>
             <a:xfrm>
-              <a:off x="5680255" y="5362486"/>
+              <a:off x="5770945" y="5304317"/>
               <a:ext cx="855806" cy="163560"/>
             </a:xfrm>
             <a:prstGeom prst="rect">
@@ -4180,7 +4183,7 @@
                   <a:latin typeface="Arial"/>
                   <a:cs typeface="Arial"/>
                 </a:rPr>
-                <a:t> 8.982 %</a:t>
+                <a:t> 9.195 %</a:t>
               </a:r>
             </a:p>
           </p:txBody>
@@ -4193,7 +4196,7 @@
           </p:nvSpPr>
           <p:spPr>
             <a:xfrm>
-              <a:off x="3729300" y="4389988"/>
+              <a:off x="3770883" y="4485896"/>
               <a:ext cx="1205158" cy="198283"/>
             </a:xfrm>
             <a:prstGeom prst="rect">
@@ -4239,7 +4242,7 @@
           </p:nvSpPr>
           <p:spPr>
             <a:xfrm>
-              <a:off x="3843687" y="4736917"/>
+              <a:off x="3885270" y="4832826"/>
               <a:ext cx="976386" cy="163560"/>
             </a:xfrm>
             <a:prstGeom prst="rect">
@@ -4272,7 +4275,7 @@
                   <a:latin typeface="Arial"/>
                   <a:cs typeface="Arial"/>
                 </a:rPr>
-                <a:t> 46.108 %</a:t>
+                <a:t> 45.977 %</a:t>
               </a:r>
             </a:p>
           </p:txBody>
@@ -4285,7 +4288,7 @@
           </p:nvSpPr>
           <p:spPr>
             <a:xfrm>
-              <a:off x="4608443" y="2746388"/>
+              <a:off x="4555562" y="2760836"/>
               <a:ext cx="1156990" cy="198283"/>
             </a:xfrm>
             <a:prstGeom prst="rect">
@@ -4331,7 +4334,7 @@
           </p:nvSpPr>
           <p:spPr>
             <a:xfrm>
-              <a:off x="4759035" y="3093318"/>
+              <a:off x="4706154" y="3107766"/>
               <a:ext cx="855806" cy="163560"/>
             </a:xfrm>
             <a:prstGeom prst="rect">
@@ -4364,7 +4367,7 @@
                   <a:latin typeface="Arial"/>
                   <a:cs typeface="Arial"/>
                 </a:rPr>
-                <a:t> 7.784 %</a:t>
+                <a:t> 9.195 %</a:t>
               </a:r>
             </a:p>
           </p:txBody>

--- a/Images/Figures_PPT/PieWithRictor.pptx
+++ b/Images/Figures_PPT/PieWithRictor.pptx
@@ -2493,7 +2493,7 @@
               </a:pathLst>
             </a:custGeom>
             <a:solidFill>
-              <a:srgbClr val="E76BF3">
+              <a:srgbClr val="D0D1AC">
                 <a:alpha val="100000"/>
               </a:srgbClr>
             </a:solidFill>
@@ -2893,7 +2893,7 @@
               </a:pathLst>
             </a:custGeom>
             <a:solidFill>
-              <a:srgbClr val="00B0F6">
+              <a:srgbClr val="FE4A49">
                 <a:alpha val="100000"/>
               </a:srgbClr>
             </a:solidFill>
@@ -3158,7 +3158,7 @@
               </a:pathLst>
             </a:custGeom>
             <a:solidFill>
-              <a:srgbClr val="00BF7D">
+              <a:srgbClr val="63E3C5">
                 <a:alpha val="100000"/>
               </a:srgbClr>
             </a:solidFill>
@@ -3627,7 +3627,7 @@
               </a:pathLst>
             </a:custGeom>
             <a:solidFill>
-              <a:srgbClr val="A3A500">
+              <a:srgbClr val="A87142">
                 <a:alpha val="100000"/>
               </a:srgbClr>
             </a:solidFill>
@@ -3892,7 +3892,7 @@
               </a:pathLst>
             </a:custGeom>
             <a:solidFill>
-              <a:srgbClr val="F8766D">
+              <a:srgbClr val="3CBA26">
                 <a:alpha val="100000"/>
               </a:srgbClr>
             </a:solidFill>
